--- a/Scheduling-linux.pptx
+++ b/Scheduling-linux.pptx
@@ -23,18 +23,24 @@
     <p:sldId id="287" r:id="rId20"/>
     <p:sldId id="268" r:id="rId21"/>
     <p:sldId id="269" r:id="rId22"/>
-    <p:sldId id="270" r:id="rId23"/>
-    <p:sldId id="271" r:id="rId24"/>
-    <p:sldId id="275" r:id="rId25"/>
-    <p:sldId id="276" r:id="rId26"/>
-    <p:sldId id="277" r:id="rId27"/>
-    <p:sldId id="278" r:id="rId28"/>
-    <p:sldId id="279" r:id="rId29"/>
-    <p:sldId id="280" r:id="rId30"/>
-    <p:sldId id="281" r:id="rId31"/>
-    <p:sldId id="282" r:id="rId32"/>
-    <p:sldId id="284" r:id="rId33"/>
-    <p:sldId id="285" r:id="rId34"/>
+    <p:sldId id="271" r:id="rId23"/>
+    <p:sldId id="275" r:id="rId24"/>
+    <p:sldId id="276" r:id="rId25"/>
+    <p:sldId id="277" r:id="rId26"/>
+    <p:sldId id="278" r:id="rId27"/>
+    <p:sldId id="279" r:id="rId28"/>
+    <p:sldId id="280" r:id="rId29"/>
+    <p:sldId id="281" r:id="rId30"/>
+    <p:sldId id="282" r:id="rId31"/>
+    <p:sldId id="285" r:id="rId32"/>
+    <p:sldId id="288" r:id="rId33"/>
+    <p:sldId id="289" r:id="rId34"/>
+    <p:sldId id="290" r:id="rId35"/>
+    <p:sldId id="292" r:id="rId36"/>
+    <p:sldId id="293" r:id="rId37"/>
+    <p:sldId id="294" r:id="rId38"/>
+    <p:sldId id="296" r:id="rId39"/>
+    <p:sldId id="295" r:id="rId40"/>
   </p:sldIdLst>
   <p:sldSz cx="12192000" cy="6858000"/>
   <p:notesSz cx="6858000" cy="9144000"/>
@@ -329,7 +335,7 @@
           <a:p>
             <a:fld id="{6FC666F4-6CBB-44A6-8C3E-ED5DABF045BA}" type="datetimeFigureOut">
               <a:rPr lang="en-US" smtClean="0"/>
-              <a:t>2/26/2022</a:t>
+              <a:t>2/27/2022</a:t>
             </a:fld>
             <a:endParaRPr lang="en-US"/>
           </a:p>
@@ -667,7 +673,7 @@
           <a:p>
             <a:fld id="{6FC666F4-6CBB-44A6-8C3E-ED5DABF045BA}" type="datetimeFigureOut">
               <a:rPr lang="en-US" smtClean="0"/>
-              <a:t>2/26/2022</a:t>
+              <a:t>2/27/2022</a:t>
             </a:fld>
             <a:endParaRPr lang="en-US"/>
           </a:p>
@@ -1068,7 +1074,7 @@
           <a:p>
             <a:fld id="{6FC666F4-6CBB-44A6-8C3E-ED5DABF045BA}" type="datetimeFigureOut">
               <a:rPr lang="en-US" smtClean="0"/>
-              <a:t>2/26/2022</a:t>
+              <a:t>2/27/2022</a:t>
             </a:fld>
             <a:endParaRPr lang="en-US"/>
           </a:p>
@@ -1404,7 +1410,7 @@
           <a:p>
             <a:fld id="{6FC666F4-6CBB-44A6-8C3E-ED5DABF045BA}" type="datetimeFigureOut">
               <a:rPr lang="en-US" smtClean="0"/>
-              <a:t>2/26/2022</a:t>
+              <a:t>2/27/2022</a:t>
             </a:fld>
             <a:endParaRPr lang="en-US"/>
           </a:p>
@@ -1724,7 +1730,7 @@
           <a:p>
             <a:fld id="{6FC666F4-6CBB-44A6-8C3E-ED5DABF045BA}" type="datetimeFigureOut">
               <a:rPr lang="en-US" smtClean="0"/>
-              <a:t>2/26/2022</a:t>
+              <a:t>2/27/2022</a:t>
             </a:fld>
             <a:endParaRPr lang="en-US"/>
           </a:p>
@@ -2120,7 +2126,7 @@
           <a:p>
             <a:fld id="{6FC666F4-6CBB-44A6-8C3E-ED5DABF045BA}" type="datetimeFigureOut">
               <a:rPr lang="en-US" smtClean="0"/>
-              <a:t>2/26/2022</a:t>
+              <a:t>2/27/2022</a:t>
             </a:fld>
             <a:endParaRPr lang="en-US"/>
           </a:p>
@@ -2377,7 +2383,7 @@
           <a:p>
             <a:fld id="{6FC666F4-6CBB-44A6-8C3E-ED5DABF045BA}" type="datetimeFigureOut">
               <a:rPr lang="en-US" smtClean="0"/>
-              <a:t>2/26/2022</a:t>
+              <a:t>2/27/2022</a:t>
             </a:fld>
             <a:endParaRPr lang="en-US"/>
           </a:p>
@@ -2639,7 +2645,7 @@
           <a:p>
             <a:fld id="{6FC666F4-6CBB-44A6-8C3E-ED5DABF045BA}" type="datetimeFigureOut">
               <a:rPr lang="en-US" smtClean="0"/>
-              <a:t>2/26/2022</a:t>
+              <a:t>2/27/2022</a:t>
             </a:fld>
             <a:endParaRPr lang="en-US"/>
           </a:p>
@@ -2901,7 +2907,7 @@
           <a:p>
             <a:fld id="{6FC666F4-6CBB-44A6-8C3E-ED5DABF045BA}" type="datetimeFigureOut">
               <a:rPr lang="en-US" smtClean="0"/>
-              <a:t>2/26/2022</a:t>
+              <a:t>2/27/2022</a:t>
             </a:fld>
             <a:endParaRPr lang="en-US"/>
           </a:p>
@@ -3230,7 +3236,7 @@
           <a:p>
             <a:fld id="{6FC666F4-6CBB-44A6-8C3E-ED5DABF045BA}" type="datetimeFigureOut">
               <a:rPr lang="en-US" smtClean="0"/>
-              <a:t>2/26/2022</a:t>
+              <a:t>2/27/2022</a:t>
             </a:fld>
             <a:endParaRPr lang="en-US"/>
           </a:p>
@@ -3553,7 +3559,7 @@
           <a:p>
             <a:fld id="{6FC666F4-6CBB-44A6-8C3E-ED5DABF045BA}" type="datetimeFigureOut">
               <a:rPr lang="en-US" smtClean="0"/>
-              <a:t>2/26/2022</a:t>
+              <a:t>2/27/2022</a:t>
             </a:fld>
             <a:endParaRPr lang="en-US"/>
           </a:p>
@@ -4010,7 +4016,7 @@
           <a:p>
             <a:fld id="{6FC666F4-6CBB-44A6-8C3E-ED5DABF045BA}" type="datetimeFigureOut">
               <a:rPr lang="en-US" smtClean="0"/>
-              <a:t>2/26/2022</a:t>
+              <a:t>2/27/2022</a:t>
             </a:fld>
             <a:endParaRPr lang="en-US"/>
           </a:p>
@@ -4215,7 +4221,7 @@
           <a:p>
             <a:fld id="{6FC666F4-6CBB-44A6-8C3E-ED5DABF045BA}" type="datetimeFigureOut">
               <a:rPr lang="en-US" smtClean="0"/>
-              <a:t>2/26/2022</a:t>
+              <a:t>2/27/2022</a:t>
             </a:fld>
             <a:endParaRPr lang="en-US"/>
           </a:p>
@@ -4392,7 +4398,7 @@
           <a:p>
             <a:fld id="{6FC666F4-6CBB-44A6-8C3E-ED5DABF045BA}" type="datetimeFigureOut">
               <a:rPr lang="en-US" smtClean="0"/>
-              <a:t>2/26/2022</a:t>
+              <a:t>2/27/2022</a:t>
             </a:fld>
             <a:endParaRPr lang="en-US"/>
           </a:p>
@@ -4725,7 +4731,7 @@
           <a:p>
             <a:fld id="{6FC666F4-6CBB-44A6-8C3E-ED5DABF045BA}" type="datetimeFigureOut">
               <a:rPr lang="en-US" smtClean="0"/>
-              <a:t>2/26/2022</a:t>
+              <a:t>2/27/2022</a:t>
             </a:fld>
             <a:endParaRPr lang="en-US"/>
           </a:p>
@@ -5070,7 +5076,7 @@
           <a:p>
             <a:fld id="{6FC666F4-6CBB-44A6-8C3E-ED5DABF045BA}" type="datetimeFigureOut">
               <a:rPr lang="en-US" smtClean="0"/>
-              <a:t>2/26/2022</a:t>
+              <a:t>2/27/2022</a:t>
             </a:fld>
             <a:endParaRPr lang="en-US"/>
           </a:p>
@@ -7187,7 +7193,7 @@
           <a:p>
             <a:fld id="{6FC666F4-6CBB-44A6-8C3E-ED5DABF045BA}" type="datetimeFigureOut">
               <a:rPr lang="en-US" smtClean="0"/>
-              <a:t>2/26/2022</a:t>
+              <a:t>2/27/2022</a:t>
             </a:fld>
             <a:endParaRPr lang="en-US"/>
           </a:p>
@@ -8066,6 +8072,13 @@
   <p:clrMapOvr>
     <a:masterClrMapping/>
   </p:clrMapOvr>
+  <p:timing>
+    <p:tnLst>
+      <p:par>
+        <p:cTn id="1" dur="indefinite" restart="never" nodeType="tmRoot"/>
+      </p:par>
+    </p:tnLst>
+  </p:timing>
 </p:sld>
 </file>
 
@@ -8224,6 +8237,13 @@
   <p:clrMapOvr>
     <a:masterClrMapping/>
   </p:clrMapOvr>
+  <p:timing>
+    <p:tnLst>
+      <p:par>
+        <p:cTn id="1" dur="indefinite" restart="never" nodeType="tmRoot"/>
+      </p:par>
+    </p:tnLst>
+  </p:timing>
 </p:sld>
 </file>
 
@@ -8357,6 +8377,13 @@
   <p:clrMapOvr>
     <a:masterClrMapping/>
   </p:clrMapOvr>
+  <p:timing>
+    <p:tnLst>
+      <p:par>
+        <p:cTn id="1" dur="indefinite" restart="never" nodeType="tmRoot"/>
+      </p:par>
+    </p:tnLst>
+  </p:timing>
 </p:sld>
 </file>
 
@@ -8939,7 +8966,7 @@
           <p:nvPr>
             <p:extLst>
               <p:ext uri="{D42A27DB-BD31-4B8C-83A1-F6EECF244321}">
-                <p14:modId xmlns:p14="http://schemas.microsoft.com/office/powerpoint/2010/main" val="1373884440"/>
+                <p14:modId xmlns:p14="http://schemas.microsoft.com/office/powerpoint/2010/main" val="3750863469"/>
               </p:ext>
             </p:extLst>
           </p:nvPr>
@@ -9072,7 +9099,7 @@
                       <a:pPr algn="ctr"/>
                       <a:r>
                         <a:rPr lang="vi-VN" dirty="0" smtClean="0"/>
-                        <a:t>6</a:t>
+                        <a:t>23</a:t>
                       </a:r>
                       <a:endParaRPr lang="en-US" dirty="0"/>
                     </a:p>
@@ -9109,7 +9136,7 @@
                       <a:pPr algn="ctr"/>
                       <a:r>
                         <a:rPr lang="vi-VN" dirty="0" smtClean="0"/>
-                        <a:t>5</a:t>
+                        <a:t>23</a:t>
                       </a:r>
                       <a:endParaRPr lang="en-US" dirty="0"/>
                     </a:p>
@@ -9146,7 +9173,7 @@
                       <a:pPr algn="ctr"/>
                       <a:r>
                         <a:rPr lang="vi-VN" dirty="0" smtClean="0"/>
-                        <a:t>4</a:t>
+                        <a:t>25</a:t>
                       </a:r>
                       <a:endParaRPr lang="en-US" dirty="0"/>
                     </a:p>
@@ -9173,6 +9200,13 @@
   <p:clrMapOvr>
     <a:masterClrMapping/>
   </p:clrMapOvr>
+  <p:timing>
+    <p:tnLst>
+      <p:par>
+        <p:cTn id="1" dur="indefinite" restart="never" nodeType="tmRoot"/>
+      </p:par>
+    </p:tnLst>
+  </p:timing>
 </p:sld>
 </file>
 
@@ -9267,16 +9301,10 @@
           </a:p>
           <a:p>
             <a:r>
-              <a:rPr lang="vi-VN" dirty="0">
-                <a:latin typeface="Bahnschrift" panose="020B0502040204020203" pitchFamily="34" charset="0"/>
-              </a:rPr>
-              <a:t>Trong biểu đồ Gantt thứ hai </a:t>
-            </a:r>
-            <a:r>
               <a:rPr lang="vi-VN" dirty="0" smtClean="0">
                 <a:latin typeface="Bahnschrift" panose="020B0502040204020203" pitchFamily="34" charset="0"/>
               </a:rPr>
-              <a:t>bên. Thời gian chờ các tiến trình,trong </a:t>
+              <a:t>Thời gian chờ các tiến trình,trong </a:t>
             </a:r>
             <a:r>
               <a:rPr lang="vi-VN" dirty="0">
@@ -10481,22 +10509,69 @@
               </a:rPr>
               <a:t>]</a:t>
             </a:r>
-            <a:endParaRPr lang="en-US" b="1" dirty="0" smtClean="0">
-              <a:latin typeface="Bahnschrift" panose="020B0502040204020203" pitchFamily="34" charset="0"/>
-            </a:endParaRPr>
-          </a:p>
-          <a:p>
-            <a:pPr marL="0" indent="0">
-              <a:buNone/>
+          </a:p>
+          <a:p>
+            <a:pPr>
+              <a:buFont typeface="Wingdings" panose="05000000000000000000" pitchFamily="2" charset="2"/>
+              <a:buChar char="Ø"/>
             </a:pPr>
             <a:endParaRPr lang="en-US" b="1" dirty="0" smtClean="0">
               <a:latin typeface="Bahnschrift" panose="020B0502040204020203" pitchFamily="34" charset="0"/>
             </a:endParaRPr>
           </a:p>
           <a:p>
+            <a:r>
+              <a:rPr lang="vi-VN" dirty="0" smtClean="0">
+                <a:latin typeface="Bahnschrift" panose="020B0502040204020203" pitchFamily="34" charset="0"/>
+              </a:rPr>
+              <a:t>Giải </a:t>
+            </a:r>
+            <a:r>
+              <a:rPr lang="vi-VN" dirty="0">
+                <a:latin typeface="Bahnschrift" panose="020B0502040204020203" pitchFamily="34" charset="0"/>
+              </a:rPr>
+              <a:t>thuật SJF có </a:t>
+            </a:r>
+            <a:r>
+              <a:rPr lang="vi-VN" dirty="0" smtClean="0">
+                <a:latin typeface="Bahnschrift" panose="020B0502040204020203" pitchFamily="34" charset="0"/>
+              </a:rPr>
+              <a:t>được phát triển thành </a:t>
+            </a:r>
+            <a:r>
+              <a:rPr lang="vi-VN" dirty="0">
+                <a:latin typeface="Bahnschrift" panose="020B0502040204020203" pitchFamily="34" charset="0"/>
+              </a:rPr>
+              <a:t>là SJF-preemptive và </a:t>
+            </a:r>
+            <a:r>
+              <a:rPr lang="vi-VN" dirty="0" smtClean="0">
+                <a:latin typeface="Bahnschrift" panose="020B0502040204020203" pitchFamily="34" charset="0"/>
+              </a:rPr>
+              <a:t>SJF-nonpreemptive : </a:t>
+            </a:r>
+            <a:endParaRPr lang="en-US" dirty="0" smtClean="0">
+              <a:latin typeface="Bahnschrift" panose="020B0502040204020203" pitchFamily="34" charset="0"/>
+            </a:endParaRPr>
+          </a:p>
+          <a:p>
             <a:pPr marL="0" indent="0">
               <a:buNone/>
             </a:pPr>
+            <a:r>
+              <a:rPr lang="vi-VN" dirty="0" smtClean="0">
+                <a:latin typeface="Bahnschrift" panose="020B0502040204020203" pitchFamily="34" charset="0"/>
+              </a:rPr>
+              <a:t>SJF-preemptive : </a:t>
+            </a:r>
+            <a:r>
+              <a:rPr lang="vi-VN" dirty="0" smtClean="0"/>
+              <a:t>các </a:t>
+            </a:r>
+            <a:r>
+              <a:rPr lang="vi-VN" dirty="0"/>
+              <a:t>công việc được đưa vào hàng đợi sẵn sàng khi chúng đến. Quá trình có thời gian bùng nổ ngắn nhất bắt đầu thực hiện. Nếu một quy trình có thời gian bùng nổ ngắn hơn đến, quy trình hiện tại sẽ bị xóa hoặc được ưu tiên thực thi và công việc ngắn hơn được phân bổ chu kỳ CPU.</a:t>
+            </a:r>
             <a:endParaRPr lang="en-US" dirty="0">
               <a:latin typeface="Bahnschrift" panose="020B0502040204020203" pitchFamily="34" charset="0"/>
             </a:endParaRPr>
@@ -10540,222 +10615,6 @@
           <a:chExt cx="0" cy="0"/>
         </a:xfrm>
       </p:grpSpPr>
-      <p:pic>
-        <p:nvPicPr>
-          <p:cNvPr id="4" name="Content Placeholder 3"/>
-          <p:cNvPicPr>
-            <a:picLocks noGrp="1" noChangeAspect="1"/>
-          </p:cNvPicPr>
-          <p:nvPr>
-            <p:ph idx="1"/>
-          </p:nvPr>
-        </p:nvPicPr>
-        <p:blipFill>
-          <a:blip r:embed="rId2"/>
-          <a:stretch>
-            <a:fillRect/>
-          </a:stretch>
-        </p:blipFill>
-        <p:spPr>
-          <a:xfrm>
-            <a:off x="2765440" y="563346"/>
-            <a:ext cx="5871484" cy="5019705"/>
-          </a:xfrm>
-          <a:prstGeom prst="rect">
-            <a:avLst/>
-          </a:prstGeom>
-        </p:spPr>
-      </p:pic>
-    </p:spTree>
-    <p:extLst>
-      <p:ext uri="{BB962C8B-B14F-4D97-AF65-F5344CB8AC3E}">
-        <p14:creationId xmlns:p14="http://schemas.microsoft.com/office/powerpoint/2010/main" val="663713072"/>
-      </p:ext>
-    </p:extLst>
-  </p:cSld>
-  <p:clrMapOvr>
-    <a:masterClrMapping/>
-  </p:clrMapOvr>
-  <p:timing>
-    <p:tnLst>
-      <p:par>
-        <p:cTn id="1" dur="indefinite" restart="never" nodeType="tmRoot"/>
-      </p:par>
-    </p:tnLst>
-  </p:timing>
-</p:sld>
-</file>
-
-<file path=ppt/slides/slide2.xml><?xml version="1.0" encoding="utf-8"?>
-<p:sld xmlns:a="http://schemas.openxmlformats.org/drawingml/2006/main" xmlns:r="http://schemas.openxmlformats.org/officeDocument/2006/relationships" xmlns:p="http://schemas.openxmlformats.org/presentationml/2006/main">
-  <p:cSld>
-    <p:spTree>
-      <p:nvGrpSpPr>
-        <p:cNvPr id="1" name=""/>
-        <p:cNvGrpSpPr/>
-        <p:nvPr/>
-      </p:nvGrpSpPr>
-      <p:grpSpPr>
-        <a:xfrm>
-          <a:off x="0" y="0"/>
-          <a:ext cx="0" cy="0"/>
-          <a:chOff x="0" y="0"/>
-          <a:chExt cx="0" cy="0"/>
-        </a:xfrm>
-      </p:grpSpPr>
-      <p:sp>
-        <p:nvSpPr>
-          <p:cNvPr id="2" name="Title 1"/>
-          <p:cNvSpPr>
-            <a:spLocks noGrp="1"/>
-          </p:cNvSpPr>
-          <p:nvPr>
-            <p:ph type="title"/>
-          </p:nvPr>
-        </p:nvSpPr>
-        <p:spPr/>
-        <p:txBody>
-          <a:bodyPr/>
-          <a:lstStyle/>
-          <a:p>
-            <a:r>
-              <a:rPr lang="vi-VN" dirty="0" smtClean="0">
-                <a:latin typeface="Bahnschrift" panose="020B0502040204020203" pitchFamily="34" charset="0"/>
-              </a:rPr>
-              <a:t>Nội dung trình bày</a:t>
-            </a:r>
-            <a:endParaRPr lang="en-US" dirty="0">
-              <a:latin typeface="Bahnschrift" panose="020B0502040204020203" pitchFamily="34" charset="0"/>
-            </a:endParaRPr>
-          </a:p>
-        </p:txBody>
-      </p:sp>
-      <p:sp>
-        <p:nvSpPr>
-          <p:cNvPr id="3" name="Content Placeholder 2"/>
-          <p:cNvSpPr>
-            <a:spLocks noGrp="1"/>
-          </p:cNvSpPr>
-          <p:nvPr>
-            <p:ph idx="1"/>
-          </p:nvPr>
-        </p:nvSpPr>
-        <p:spPr>
-          <a:xfrm>
-            <a:off x="1733384" y="1765190"/>
-            <a:ext cx="9771228" cy="4146032"/>
-          </a:xfrm>
-        </p:spPr>
-        <p:txBody>
-          <a:bodyPr/>
-          <a:lstStyle/>
-          <a:p>
-            <a:pPr>
-              <a:lnSpc>
-                <a:spcPct val="250000"/>
-              </a:lnSpc>
-            </a:pPr>
-            <a:r>
-              <a:rPr lang="vi-VN" sz="2400" dirty="0" smtClean="0">
-                <a:latin typeface="Bahnschrift" panose="020B0502040204020203" pitchFamily="34" charset="0"/>
-              </a:rPr>
-              <a:t>Bảng kế hoạch, phân công công việc</a:t>
-            </a:r>
-          </a:p>
-          <a:p>
-            <a:pPr>
-              <a:lnSpc>
-                <a:spcPct val="250000"/>
-              </a:lnSpc>
-            </a:pPr>
-            <a:r>
-              <a:rPr lang="vi-VN" sz="2400" dirty="0" smtClean="0">
-                <a:latin typeface="Bahnschrift" panose="020B0502040204020203" pitchFamily="34" charset="0"/>
-              </a:rPr>
-              <a:t>Scheduling linux</a:t>
-            </a:r>
-            <a:r>
-              <a:rPr lang="vi-VN" sz="2400" dirty="0">
-                <a:latin typeface="Bahnschrift" panose="020B0502040204020203" pitchFamily="34" charset="0"/>
-              </a:rPr>
-              <a:t> </a:t>
-            </a:r>
-            <a:endParaRPr lang="vi-VN" sz="2400" dirty="0" smtClean="0">
-              <a:latin typeface="Bahnschrift" panose="020B0502040204020203" pitchFamily="34" charset="0"/>
-            </a:endParaRPr>
-          </a:p>
-          <a:p>
-            <a:pPr>
-              <a:lnSpc>
-                <a:spcPct val="250000"/>
-              </a:lnSpc>
-            </a:pPr>
-            <a:r>
-              <a:rPr lang="vi-VN" sz="2400" dirty="0" smtClean="0">
-                <a:latin typeface="Bahnschrift" panose="020B0502040204020203" pitchFamily="34" charset="0"/>
-              </a:rPr>
-              <a:t>Các thuật toán sử dụng trong scheduling</a:t>
-            </a:r>
-          </a:p>
-          <a:p>
-            <a:pPr>
-              <a:lnSpc>
-                <a:spcPct val="250000"/>
-              </a:lnSpc>
-            </a:pPr>
-            <a:r>
-              <a:rPr lang="vi-VN" sz="2400" dirty="0" smtClean="0">
-                <a:latin typeface="Bahnschrift" panose="020B0502040204020203" pitchFamily="34" charset="0"/>
-              </a:rPr>
-              <a:t>Lập trình </a:t>
-            </a:r>
-            <a:r>
-              <a:rPr lang="vi-VN" sz="2400" dirty="0" smtClean="0">
-                <a:latin typeface="Bahnschrift" panose="020B0502040204020203" pitchFamily="34" charset="0"/>
-              </a:rPr>
-              <a:t>và đánh giá kết quả </a:t>
-            </a:r>
-            <a:endParaRPr lang="vi-VN" sz="2400" dirty="0" smtClean="0">
-              <a:latin typeface="Bahnschrift" panose="020B0502040204020203" pitchFamily="34" charset="0"/>
-            </a:endParaRPr>
-          </a:p>
-          <a:p>
-            <a:endParaRPr lang="en-US" dirty="0">
-              <a:latin typeface="Bahnschrift" panose="020B0502040204020203" pitchFamily="34" charset="0"/>
-            </a:endParaRPr>
-          </a:p>
-        </p:txBody>
-      </p:sp>
-    </p:spTree>
-    <p:extLst>
-      <p:ext uri="{BB962C8B-B14F-4D97-AF65-F5344CB8AC3E}">
-        <p14:creationId xmlns:p14="http://schemas.microsoft.com/office/powerpoint/2010/main" val="1578459158"/>
-      </p:ext>
-    </p:extLst>
-  </p:cSld>
-  <p:clrMapOvr>
-    <a:masterClrMapping/>
-  </p:clrMapOvr>
-</p:sld>
-</file>
-
-<file path=ppt/slides/slide20.xml><?xml version="1.0" encoding="utf-8"?>
-<p:sld xmlns:a="http://schemas.openxmlformats.org/drawingml/2006/main" xmlns:r="http://schemas.openxmlformats.org/officeDocument/2006/relationships" xmlns:p="http://schemas.openxmlformats.org/presentationml/2006/main">
-  <p:cSld>
-    <p:spTree>
-      <p:nvGrpSpPr>
-        <p:cNvPr id="1" name=""/>
-        <p:cNvGrpSpPr/>
-        <p:nvPr/>
-      </p:nvGrpSpPr>
-      <p:grpSpPr>
-        <a:xfrm>
-          <a:off x="0" y="0"/>
-          <a:ext cx="0" cy="0"/>
-          <a:chOff x="0" y="0"/>
-          <a:chExt cx="0" cy="0"/>
-        </a:xfrm>
-      </p:grpSpPr>
       <p:sp>
         <p:nvSpPr>
           <p:cNvPr id="5" name="Content Placeholder 4"/>
@@ -10780,7 +10639,19 @@
               <a:rPr lang="vi-VN" dirty="0">
                 <a:latin typeface="Bahnschrift" panose="020B0502040204020203" pitchFamily="34" charset="0"/>
               </a:rPr>
-              <a:t>SJF có thể là ưu tiên hoặc không phủ đầu. Preemption xảy ra khi một quá trình mới đến trong hàng đợi sẵn sàng có thời gian bùng nổ dự đoán ngắn hơn thời gian còn lại trong quá trình có sự bùng nổ hiện đang ở trên CPU. SJF ưu tiên đôi khi được gọi là </a:t>
+              <a:t>SJF có thể là ưu tiên hoặc </a:t>
+            </a:r>
+            <a:r>
+              <a:rPr lang="vi-VN" dirty="0" smtClean="0">
+                <a:latin typeface="Bahnschrift" panose="020B0502040204020203" pitchFamily="34" charset="0"/>
+              </a:rPr>
+              <a:t>không . </a:t>
+            </a:r>
+            <a:r>
+              <a:rPr lang="vi-VN" dirty="0">
+                <a:latin typeface="Bahnschrift" panose="020B0502040204020203" pitchFamily="34" charset="0"/>
+              </a:rPr>
+              <a:t>Preemption xảy ra khi một quá trình mới đến trong hàng đợi sẵn sàng có thời gian bùng nổ dự đoán ngắn hơn thời gian còn lại trong quá trình có sự bùng nổ hiện đang ở trên CPU. SJF ưu tiên đôi khi được gọi là </a:t>
             </a:r>
             <a:r>
               <a:rPr lang="vi-VN" b="1" i="1" dirty="0">
@@ -11286,7 +11157,158 @@
 </p:sld>
 </file>
 
-<file path=ppt/slides/slide21.xml><?xml version="1.0" encoding="utf-8"?>
+<file path=ppt/slides/slide2.xml><?xml version="1.0" encoding="utf-8"?>
+<p:sld xmlns:a="http://schemas.openxmlformats.org/drawingml/2006/main" xmlns:r="http://schemas.openxmlformats.org/officeDocument/2006/relationships" xmlns:p="http://schemas.openxmlformats.org/presentationml/2006/main">
+  <p:cSld>
+    <p:spTree>
+      <p:nvGrpSpPr>
+        <p:cNvPr id="1" name=""/>
+        <p:cNvGrpSpPr/>
+        <p:nvPr/>
+      </p:nvGrpSpPr>
+      <p:grpSpPr>
+        <a:xfrm>
+          <a:off x="0" y="0"/>
+          <a:ext cx="0" cy="0"/>
+          <a:chOff x="0" y="0"/>
+          <a:chExt cx="0" cy="0"/>
+        </a:xfrm>
+      </p:grpSpPr>
+      <p:sp>
+        <p:nvSpPr>
+          <p:cNvPr id="2" name="Title 1"/>
+          <p:cNvSpPr>
+            <a:spLocks noGrp="1"/>
+          </p:cNvSpPr>
+          <p:nvPr>
+            <p:ph type="title"/>
+          </p:nvPr>
+        </p:nvSpPr>
+        <p:spPr/>
+        <p:txBody>
+          <a:bodyPr/>
+          <a:lstStyle/>
+          <a:p>
+            <a:r>
+              <a:rPr lang="vi-VN" dirty="0" smtClean="0">
+                <a:latin typeface="Bahnschrift" panose="020B0502040204020203" pitchFamily="34" charset="0"/>
+              </a:rPr>
+              <a:t>Nội dung trình bày</a:t>
+            </a:r>
+            <a:endParaRPr lang="en-US" dirty="0">
+              <a:latin typeface="Bahnschrift" panose="020B0502040204020203" pitchFamily="34" charset="0"/>
+            </a:endParaRPr>
+          </a:p>
+        </p:txBody>
+      </p:sp>
+      <p:sp>
+        <p:nvSpPr>
+          <p:cNvPr id="3" name="Content Placeholder 2"/>
+          <p:cNvSpPr>
+            <a:spLocks noGrp="1"/>
+          </p:cNvSpPr>
+          <p:nvPr>
+            <p:ph idx="1"/>
+          </p:nvPr>
+        </p:nvSpPr>
+        <p:spPr>
+          <a:xfrm>
+            <a:off x="1733384" y="1765190"/>
+            <a:ext cx="9771228" cy="4146032"/>
+          </a:xfrm>
+        </p:spPr>
+        <p:txBody>
+          <a:bodyPr/>
+          <a:lstStyle/>
+          <a:p>
+            <a:pPr>
+              <a:lnSpc>
+                <a:spcPct val="250000"/>
+              </a:lnSpc>
+            </a:pPr>
+            <a:r>
+              <a:rPr lang="vi-VN" sz="2400" dirty="0" smtClean="0">
+                <a:latin typeface="Bahnschrift" panose="020B0502040204020203" pitchFamily="34" charset="0"/>
+              </a:rPr>
+              <a:t>Bảng kế hoạch, phân công công việc</a:t>
+            </a:r>
+          </a:p>
+          <a:p>
+            <a:pPr>
+              <a:lnSpc>
+                <a:spcPct val="250000"/>
+              </a:lnSpc>
+            </a:pPr>
+            <a:r>
+              <a:rPr lang="vi-VN" sz="2400" dirty="0" smtClean="0">
+                <a:latin typeface="Bahnschrift" panose="020B0502040204020203" pitchFamily="34" charset="0"/>
+              </a:rPr>
+              <a:t>Scheduling linux</a:t>
+            </a:r>
+            <a:r>
+              <a:rPr lang="vi-VN" sz="2400" dirty="0">
+                <a:latin typeface="Bahnschrift" panose="020B0502040204020203" pitchFamily="34" charset="0"/>
+              </a:rPr>
+              <a:t> </a:t>
+            </a:r>
+            <a:endParaRPr lang="vi-VN" sz="2400" dirty="0" smtClean="0">
+              <a:latin typeface="Bahnschrift" panose="020B0502040204020203" pitchFamily="34" charset="0"/>
+            </a:endParaRPr>
+          </a:p>
+          <a:p>
+            <a:pPr>
+              <a:lnSpc>
+                <a:spcPct val="250000"/>
+              </a:lnSpc>
+            </a:pPr>
+            <a:r>
+              <a:rPr lang="vi-VN" sz="2400" dirty="0" smtClean="0">
+                <a:latin typeface="Bahnschrift" panose="020B0502040204020203" pitchFamily="34" charset="0"/>
+              </a:rPr>
+              <a:t>Các thuật toán sử dụng trong scheduling</a:t>
+            </a:r>
+          </a:p>
+          <a:p>
+            <a:pPr>
+              <a:lnSpc>
+                <a:spcPct val="250000"/>
+              </a:lnSpc>
+            </a:pPr>
+            <a:r>
+              <a:rPr lang="vi-VN" sz="2400" dirty="0" smtClean="0">
+                <a:latin typeface="Bahnschrift" panose="020B0502040204020203" pitchFamily="34" charset="0"/>
+              </a:rPr>
+              <a:t>Chạy và đánh giá kết quả </a:t>
+            </a:r>
+          </a:p>
+          <a:p>
+            <a:endParaRPr lang="en-US" dirty="0">
+              <a:latin typeface="Bahnschrift" panose="020B0502040204020203" pitchFamily="34" charset="0"/>
+            </a:endParaRPr>
+          </a:p>
+        </p:txBody>
+      </p:sp>
+    </p:spTree>
+    <p:extLst>
+      <p:ext uri="{BB962C8B-B14F-4D97-AF65-F5344CB8AC3E}">
+        <p14:creationId xmlns:p14="http://schemas.microsoft.com/office/powerpoint/2010/main" val="1578459158"/>
+      </p:ext>
+    </p:extLst>
+  </p:cSld>
+  <p:clrMapOvr>
+    <a:masterClrMapping/>
+  </p:clrMapOvr>
+  <p:timing>
+    <p:tnLst>
+      <p:par>
+        <p:cTn id="1" dur="indefinite" restart="never" nodeType="tmRoot"/>
+      </p:par>
+    </p:tnLst>
+  </p:timing>
+</p:sld>
+</file>
+
+<file path=ppt/slides/slide20.xml><?xml version="1.0" encoding="utf-8"?>
 <p:sld xmlns:a="http://schemas.openxmlformats.org/drawingml/2006/main" xmlns:r="http://schemas.openxmlformats.org/officeDocument/2006/relationships" xmlns:p="http://schemas.openxmlformats.org/presentationml/2006/main">
   <p:cSld>
     <p:spTree>
@@ -11381,7 +11403,7 @@
 </p:sld>
 </file>
 
-<file path=ppt/slides/slide22.xml><?xml version="1.0" encoding="utf-8"?>
+<file path=ppt/slides/slide21.xml><?xml version="1.0" encoding="utf-8"?>
 <p:sld xmlns:a="http://schemas.openxmlformats.org/drawingml/2006/main" xmlns:r="http://schemas.openxmlformats.org/officeDocument/2006/relationships" xmlns:p="http://schemas.openxmlformats.org/presentationml/2006/main">
   <p:cSld>
     <p:spTree>
@@ -11513,7 +11535,7 @@
 </p:sld>
 </file>
 
-<file path=ppt/slides/slide23.xml><?xml version="1.0" encoding="utf-8"?>
+<file path=ppt/slides/slide22.xml><?xml version="1.0" encoding="utf-8"?>
 <p:sld xmlns:a="http://schemas.openxmlformats.org/drawingml/2006/main" xmlns:r="http://schemas.openxmlformats.org/officeDocument/2006/relationships" xmlns:p="http://schemas.openxmlformats.org/presentationml/2006/main">
   <p:cSld>
     <p:spTree>
@@ -11910,10 +11932,17 @@
   <p:clrMapOvr>
     <a:masterClrMapping/>
   </p:clrMapOvr>
+  <p:timing>
+    <p:tnLst>
+      <p:par>
+        <p:cTn id="1" dur="indefinite" restart="never" nodeType="tmRoot"/>
+      </p:par>
+    </p:tnLst>
+  </p:timing>
 </p:sld>
 </file>
 
-<file path=ppt/slides/slide24.xml><?xml version="1.0" encoding="utf-8"?>
+<file path=ppt/slides/slide23.xml><?xml version="1.0" encoding="utf-8"?>
 <p:sld xmlns:a="http://schemas.openxmlformats.org/drawingml/2006/main" xmlns:r="http://schemas.openxmlformats.org/officeDocument/2006/relationships" xmlns:p="http://schemas.openxmlformats.org/presentationml/2006/main">
   <p:cSld>
     <p:spTree>
@@ -12059,10 +12088,17 @@
   <p:clrMapOvr>
     <a:masterClrMapping/>
   </p:clrMapOvr>
+  <p:timing>
+    <p:tnLst>
+      <p:par>
+        <p:cTn id="1" dur="indefinite" restart="never" nodeType="tmRoot"/>
+      </p:par>
+    </p:tnLst>
+  </p:timing>
 </p:sld>
 </file>
 
-<file path=ppt/slides/slide25.xml><?xml version="1.0" encoding="utf-8"?>
+<file path=ppt/slides/slide24.xml><?xml version="1.0" encoding="utf-8"?>
 <p:sld xmlns:a="http://schemas.openxmlformats.org/drawingml/2006/main" xmlns:r="http://schemas.openxmlformats.org/officeDocument/2006/relationships" xmlns:p="http://schemas.openxmlformats.org/presentationml/2006/main">
   <p:cSld>
     <p:spTree>
@@ -12279,10 +12315,17 @@
   <p:clrMapOvr>
     <a:masterClrMapping/>
   </p:clrMapOvr>
+  <p:timing>
+    <p:tnLst>
+      <p:par>
+        <p:cTn id="1" dur="indefinite" restart="never" nodeType="tmRoot"/>
+      </p:par>
+    </p:tnLst>
+  </p:timing>
 </p:sld>
 </file>
 
-<file path=ppt/slides/slide26.xml><?xml version="1.0" encoding="utf-8"?>
+<file path=ppt/slides/slide25.xml><?xml version="1.0" encoding="utf-8"?>
 <p:sld xmlns:a="http://schemas.openxmlformats.org/drawingml/2006/main" xmlns:r="http://schemas.openxmlformats.org/officeDocument/2006/relationships" xmlns:p="http://schemas.openxmlformats.org/presentationml/2006/main">
   <p:cSld>
     <p:spTree>
@@ -12558,10 +12601,17 @@
   <p:clrMapOvr>
     <a:masterClrMapping/>
   </p:clrMapOvr>
+  <p:timing>
+    <p:tnLst>
+      <p:par>
+        <p:cTn id="1" dur="indefinite" restart="never" nodeType="tmRoot"/>
+      </p:par>
+    </p:tnLst>
+  </p:timing>
 </p:sld>
 </file>
 
-<file path=ppt/slides/slide27.xml><?xml version="1.0" encoding="utf-8"?>
+<file path=ppt/slides/slide26.xml><?xml version="1.0" encoding="utf-8"?>
 <p:sld xmlns:a="http://schemas.openxmlformats.org/drawingml/2006/main" xmlns:r="http://schemas.openxmlformats.org/officeDocument/2006/relationships" xmlns:p="http://schemas.openxmlformats.org/presentationml/2006/main">
   <p:cSld>
     <p:spTree>
@@ -12664,10 +12714,17 @@
   <p:clrMapOvr>
     <a:masterClrMapping/>
   </p:clrMapOvr>
+  <p:timing>
+    <p:tnLst>
+      <p:par>
+        <p:cTn id="1" dur="indefinite" restart="never" nodeType="tmRoot"/>
+      </p:par>
+    </p:tnLst>
+  </p:timing>
 </p:sld>
 </file>
 
-<file path=ppt/slides/slide28.xml><?xml version="1.0" encoding="utf-8"?>
+<file path=ppt/slides/slide27.xml><?xml version="1.0" encoding="utf-8"?>
 <p:sld xmlns:a="http://schemas.openxmlformats.org/drawingml/2006/main" xmlns:r="http://schemas.openxmlformats.org/officeDocument/2006/relationships" xmlns:p="http://schemas.openxmlformats.org/presentationml/2006/main">
   <p:cSld>
     <p:spTree>
@@ -12752,6 +12809,125 @@
   <p:clrMapOvr>
     <a:masterClrMapping/>
   </p:clrMapOvr>
+  <p:timing>
+    <p:tnLst>
+      <p:par>
+        <p:cTn id="1" dur="indefinite" restart="never" nodeType="tmRoot"/>
+      </p:par>
+    </p:tnLst>
+  </p:timing>
+</p:sld>
+</file>
+
+<file path=ppt/slides/slide28.xml><?xml version="1.0" encoding="utf-8"?>
+<p:sld xmlns:a="http://schemas.openxmlformats.org/drawingml/2006/main" xmlns:r="http://schemas.openxmlformats.org/officeDocument/2006/relationships" xmlns:p="http://schemas.openxmlformats.org/presentationml/2006/main">
+  <p:cSld>
+    <p:spTree>
+      <p:nvGrpSpPr>
+        <p:cNvPr id="1" name=""/>
+        <p:cNvGrpSpPr/>
+        <p:nvPr/>
+      </p:nvGrpSpPr>
+      <p:grpSpPr>
+        <a:xfrm>
+          <a:off x="0" y="0"/>
+          <a:ext cx="0" cy="0"/>
+          <a:chOff x="0" y="0"/>
+          <a:chExt cx="0" cy="0"/>
+        </a:xfrm>
+      </p:grpSpPr>
+      <p:sp>
+        <p:nvSpPr>
+          <p:cNvPr id="2" name="Title 1"/>
+          <p:cNvSpPr>
+            <a:spLocks noGrp="1"/>
+          </p:cNvSpPr>
+          <p:nvPr>
+            <p:ph type="title"/>
+          </p:nvPr>
+        </p:nvSpPr>
+        <p:spPr/>
+        <p:txBody>
+          <a:bodyPr/>
+          <a:lstStyle/>
+          <a:p>
+            <a:r>
+              <a:rPr lang="vi-VN" dirty="0" smtClean="0"/>
+              <a:t>Mô phỏng và đánh giá đưa ra kết quả </a:t>
+            </a:r>
+            <a:endParaRPr lang="en-US" dirty="0"/>
+          </a:p>
+        </p:txBody>
+      </p:sp>
+      <p:sp>
+        <p:nvSpPr>
+          <p:cNvPr id="3" name="Content Placeholder 2"/>
+          <p:cNvSpPr>
+            <a:spLocks noGrp="1"/>
+          </p:cNvSpPr>
+          <p:nvPr>
+            <p:ph idx="1"/>
+          </p:nvPr>
+        </p:nvSpPr>
+        <p:spPr>
+          <a:xfrm>
+            <a:off x="1768839" y="1798820"/>
+            <a:ext cx="9735773" cy="4112402"/>
+          </a:xfrm>
+        </p:spPr>
+        <p:txBody>
+          <a:bodyPr/>
+          <a:lstStyle/>
+          <a:p>
+            <a:r>
+              <a:rPr lang="vi-VN" dirty="0" smtClean="0"/>
+              <a:t>Thông số CPU chưa chạy : </a:t>
+            </a:r>
+            <a:endParaRPr lang="en-US" dirty="0"/>
+          </a:p>
+        </p:txBody>
+      </p:sp>
+      <p:pic>
+        <p:nvPicPr>
+          <p:cNvPr id="5" name="Picture 4"/>
+          <p:cNvPicPr>
+            <a:picLocks noChangeAspect="1"/>
+          </p:cNvPicPr>
+          <p:nvPr/>
+        </p:nvPicPr>
+        <p:blipFill>
+          <a:blip r:embed="rId2"/>
+          <a:stretch>
+            <a:fillRect/>
+          </a:stretch>
+        </p:blipFill>
+        <p:spPr>
+          <a:xfrm>
+            <a:off x="2355720" y="2315980"/>
+            <a:ext cx="7000875" cy="4114800"/>
+          </a:xfrm>
+          <a:prstGeom prst="rect">
+            <a:avLst/>
+          </a:prstGeom>
+        </p:spPr>
+      </p:pic>
+    </p:spTree>
+    <p:extLst>
+      <p:ext uri="{BB962C8B-B14F-4D97-AF65-F5344CB8AC3E}">
+        <p14:creationId xmlns:p14="http://schemas.microsoft.com/office/powerpoint/2010/main" val="4051547436"/>
+      </p:ext>
+    </p:extLst>
+  </p:cSld>
+  <p:clrMapOvr>
+    <a:masterClrMapping/>
+  </p:clrMapOvr>
+  <p:timing>
+    <p:tnLst>
+      <p:par>
+        <p:cTn id="1" dur="indefinite" restart="never" nodeType="tmRoot"/>
+      </p:par>
+    </p:tnLst>
+  </p:timing>
 </p:sld>
 </file>
 
@@ -12774,7 +12950,30 @@
       </p:grpSpPr>
       <p:sp>
         <p:nvSpPr>
-          <p:cNvPr id="3" name="Content Placeholder 2"/>
+          <p:cNvPr id="2" name="Title 1"/>
+          <p:cNvSpPr>
+            <a:spLocks noGrp="1"/>
+          </p:cNvSpPr>
+          <p:nvPr>
+            <p:ph type="title"/>
+          </p:nvPr>
+        </p:nvSpPr>
+        <p:spPr/>
+        <p:txBody>
+          <a:bodyPr/>
+          <a:lstStyle/>
+          <a:p>
+            <a:r>
+              <a:rPr lang="vi-VN" dirty="0" smtClean="0"/>
+              <a:t>Thiết lập</a:t>
+            </a:r>
+            <a:endParaRPr lang="en-US" dirty="0"/>
+          </a:p>
+        </p:txBody>
+      </p:sp>
+      <p:sp>
+        <p:nvSpPr>
+          <p:cNvPr id="5" name="Content Placeholder 4"/>
           <p:cNvSpPr>
             <a:spLocks noGrp="1"/>
           </p:cNvSpPr>
@@ -12784,38 +12983,117 @@
         </p:nvSpPr>
         <p:spPr>
           <a:xfrm>
-            <a:off x="2227811" y="706582"/>
-            <a:ext cx="9276801" cy="5204641"/>
+            <a:off x="1738859" y="1528997"/>
+            <a:ext cx="10013430" cy="5329003"/>
           </a:xfrm>
         </p:spPr>
         <p:txBody>
           <a:bodyPr/>
           <a:lstStyle/>
           <a:p>
-            <a:r>
-              <a:rPr lang="vi-VN" dirty="0">
-                <a:latin typeface="Bahnschrift" panose="020B0502040204020203" pitchFamily="34" charset="0"/>
-              </a:rPr>
-              <a:t>Nói chung, thời gian quay vòng được giảm thiểu nếu hầu hết các quá trình hoàn thành vụ nổ CPU tiếp theo của họ trong một lần lượng tử. Ví dụ, với ba quá trình 10 ms nổ mỗi lần, thời gian quay vòng trung bình cho lượng tử 1 ms là 29 và đối với 10 ms lượng tử, nó giảm xuống còn 20. Tuy nhiên, nếu nó được làm quá lớn, thì RR chỉ thoái hóa thành FCFS. Một nguyên tắc chung là 80% các vụ nổ CPU nên nhỏ hơn lượng tử thời gian.</a:t>
-            </a:r>
-          </a:p>
-          <a:p>
-            <a:endParaRPr lang="en-US" dirty="0">
-              <a:latin typeface="Bahnschrift" panose="020B0502040204020203" pitchFamily="34" charset="0"/>
-            </a:endParaRPr>
+            <a:pPr>
+              <a:lnSpc>
+                <a:spcPct val="150000"/>
+              </a:lnSpc>
+              <a:buAutoNum type="arabicPeriod"/>
+            </a:pPr>
+            <a:r>
+              <a:rPr lang="vi-VN" dirty="0" smtClean="0"/>
+              <a:t>Khởi tạo: Tạo 4 tiến trình P0, P1, P2, P3 chạy liên tục với vòng lặp vô hạn.</a:t>
+            </a:r>
+          </a:p>
+          <a:p>
+            <a:pPr>
+              <a:lnSpc>
+                <a:spcPct val="150000"/>
+              </a:lnSpc>
+              <a:buAutoNum type="arabicPeriod"/>
+            </a:pPr>
+            <a:r>
+              <a:rPr lang="vi-VN" dirty="0" smtClean="0"/>
+              <a:t>Theo dõi: Theo dõi mức độ sử dụng tài nguyễn của các giải thuật:</a:t>
+            </a:r>
+          </a:p>
+          <a:p>
+            <a:pPr>
+              <a:lnSpc>
+                <a:spcPct val="150000"/>
+              </a:lnSpc>
+            </a:pPr>
+            <a:r>
+              <a:rPr lang="vi-VN" dirty="0"/>
+              <a:t> </a:t>
+            </a:r>
+            <a:r>
+              <a:rPr lang="vi-VN" dirty="0" smtClean="0"/>
+              <a:t>Thiết lập các tiến trình sử dụng chung một giải thuật vời mức độ ưu tiên giống nhau. ( sử dụng giải thuật FCFS , FJS-pritority FJS, ROUND ROBIN</a:t>
+            </a:r>
+            <a:endParaRPr lang="vi-VN" dirty="0" smtClean="0"/>
+          </a:p>
+          <a:p>
+            <a:pPr marL="0" indent="0">
+              <a:lnSpc>
+                <a:spcPct val="150000"/>
+              </a:lnSpc>
+              <a:buNone/>
+            </a:pPr>
+            <a:r>
+              <a:rPr lang="vi-VN" dirty="0" smtClean="0"/>
+              <a:t>3</a:t>
+            </a:r>
+            <a:r>
+              <a:rPr lang="vi-VN" dirty="0" smtClean="0"/>
+              <a:t>. Kết quả</a:t>
+            </a:r>
+          </a:p>
+          <a:p>
+            <a:pPr marL="0" indent="0">
+              <a:lnSpc>
+                <a:spcPct val="150000"/>
+              </a:lnSpc>
+              <a:buNone/>
+            </a:pPr>
+            <a:endParaRPr lang="vi-VN" dirty="0" smtClean="0"/>
+          </a:p>
+          <a:p>
+            <a:pPr marL="0" indent="0">
+              <a:buNone/>
+            </a:pPr>
+            <a:endParaRPr lang="vi-VN" dirty="0" smtClean="0"/>
+          </a:p>
+          <a:p>
+            <a:pPr>
+              <a:buFont typeface="Symbol" panose="05050102010706020507" pitchFamily="18" charset="2"/>
+              <a:buChar char="Þ"/>
+            </a:pPr>
+            <a:endParaRPr lang="vi-VN" dirty="0" smtClean="0"/>
+          </a:p>
+          <a:p>
+            <a:pPr>
+              <a:buFont typeface="Symbol" panose="05050102010706020507" pitchFamily="18" charset="2"/>
+              <a:buChar char="Þ"/>
+            </a:pPr>
+            <a:endParaRPr lang="en-US" dirty="0"/>
           </a:p>
         </p:txBody>
       </p:sp>
     </p:spTree>
     <p:extLst>
       <p:ext uri="{BB962C8B-B14F-4D97-AF65-F5344CB8AC3E}">
-        <p14:creationId xmlns:p14="http://schemas.microsoft.com/office/powerpoint/2010/main" val="1332961765"/>
+        <p14:creationId xmlns:p14="http://schemas.microsoft.com/office/powerpoint/2010/main" val="429745527"/>
       </p:ext>
     </p:extLst>
   </p:cSld>
   <p:clrMapOvr>
     <a:masterClrMapping/>
   </p:clrMapOvr>
+  <p:timing>
+    <p:tnLst>
+      <p:par>
+        <p:cTn id="1" dur="indefinite" restart="never" nodeType="tmRoot"/>
+      </p:par>
+    </p:tnLst>
+  </p:timing>
 </p:sld>
 </file>
 
@@ -12864,14 +13142,14 @@
           <p:nvPr>
             <p:extLst>
               <p:ext uri="{D42A27DB-BD31-4B8C-83A1-F6EECF244321}">
-                <p14:modId xmlns:p14="http://schemas.microsoft.com/office/powerpoint/2010/main" val="1560608957"/>
+                <p14:modId xmlns:p14="http://schemas.microsoft.com/office/powerpoint/2010/main" val="3400355855"/>
               </p:ext>
             </p:extLst>
           </p:nvPr>
         </p:nvGraphicFramePr>
         <p:xfrm>
           <a:off x="1786826" y="994511"/>
-          <a:ext cx="9717786" cy="4541520"/>
+          <a:ext cx="9717786" cy="4044315"/>
         </p:xfrm>
         <a:graphic>
           <a:graphicData uri="http://schemas.openxmlformats.org/drawingml/2006/table">
@@ -13346,7 +13624,7 @@
                         </a:spcAft>
                       </a:pPr>
                       <a:r>
-                        <a:rPr lang="en-US" sz="1600" b="1" dirty="0">
+                        <a:rPr lang="en-US" sz="1600" b="1" dirty="0" smtClean="0">
                           <a:solidFill>
                             <a:schemeClr val="bg2"/>
                           </a:solidFill>
@@ -13358,7 +13636,7 @@
                         <a:t>(</a:t>
                       </a:r>
                       <a:r>
-                        <a:rPr lang="en-US" sz="1600" b="1" dirty="0" err="1">
+                        <a:rPr lang="vi-VN" sz="1600" b="1" dirty="0" smtClean="0">
                           <a:solidFill>
                             <a:schemeClr val="bg2"/>
                           </a:solidFill>
@@ -13367,10 +13645,10 @@
                           <a:ea typeface="SimSun" panose="02010600030101010101" pitchFamily="2" charset="-122"/>
                           <a:cs typeface="Times New Roman" panose="02020603050405020304" pitchFamily="18" charset="0"/>
                         </a:rPr>
-                        <a:t>ngày</a:t>
-                      </a:r>
-                      <a:r>
-                        <a:rPr lang="en-US" sz="1600" b="1" dirty="0">
+                        <a:t>Tuần</a:t>
+                      </a:r>
+                      <a:r>
+                        <a:rPr lang="en-US" sz="1600" b="1" dirty="0" smtClean="0">
                           <a:solidFill>
                             <a:schemeClr val="bg2"/>
                           </a:solidFill>
@@ -13700,7 +13978,7 @@
                         <a:t> </a:t>
                       </a:r>
                       <a:r>
-                        <a:rPr lang="en-US" sz="1600" kern="1200" dirty="0" err="1">
+                        <a:rPr lang="en-US" sz="1600" kern="1200" dirty="0" err="1" smtClean="0">
                           <a:solidFill>
                             <a:srgbClr val="000000"/>
                           </a:solidFill>
@@ -13712,7 +13990,7 @@
                         <a:t>hiểu</a:t>
                       </a:r>
                       <a:r>
-                        <a:rPr lang="en-US" sz="1600" kern="1200" dirty="0">
+                        <a:rPr lang="vi-VN" sz="1600" kern="1200" baseline="0" dirty="0" smtClean="0">
                           <a:solidFill>
                             <a:srgbClr val="000000"/>
                           </a:solidFill>
@@ -13721,58 +13999,7 @@
                           <a:ea typeface="SimSun" panose="02010600030101010101" pitchFamily="2" charset="-122"/>
                           <a:cs typeface="Times New Roman" panose="02020603050405020304" pitchFamily="18" charset="0"/>
                         </a:rPr>
-                        <a:t> </a:t>
-                      </a:r>
-                      <a:r>
-                        <a:rPr lang="vi-VN" sz="1600" kern="1200" dirty="0">
-                          <a:solidFill>
-                            <a:srgbClr val="000000"/>
-                          </a:solidFill>
-                          <a:effectLst/>
-                          <a:latin typeface="Times New Roman" panose="02020603050405020304" pitchFamily="18" charset="0"/>
-                          <a:ea typeface="SimSun" panose="02010600030101010101" pitchFamily="2" charset="-122"/>
-                          <a:cs typeface="Times New Roman" panose="02020603050405020304" pitchFamily="18" charset="0"/>
-                        </a:rPr>
-                        <a:t>thông tin cách xây dựng tuyến vi </a:t>
-                      </a:r>
-                      <a:r>
-                        <a:rPr lang="vi-VN" sz="1600" kern="1200" dirty="0" smtClean="0">
-                          <a:solidFill>
-                            <a:srgbClr val="000000"/>
-                          </a:solidFill>
-                          <a:effectLst/>
-                          <a:latin typeface="Times New Roman" panose="02020603050405020304" pitchFamily="18" charset="0"/>
-                          <a:ea typeface="SimSun" panose="02010600030101010101" pitchFamily="2" charset="-122"/>
-                          <a:cs typeface="Times New Roman" panose="02020603050405020304" pitchFamily="18" charset="0"/>
-                        </a:rPr>
-                        <a:t>ba, </a:t>
-                      </a:r>
-                      <a:r>
-                        <a:rPr lang="vi-VN" sz="1600" dirty="0" smtClean="0">
-                          <a:effectLst/>
-                          <a:latin typeface="Times New Roman" panose="02020603050405020304" pitchFamily="18" charset="0"/>
-                          <a:ea typeface="SimSun" panose="02010600030101010101" pitchFamily="2" charset="-122"/>
-                          <a:cs typeface="Times New Roman" panose="02020603050405020304" pitchFamily="18" charset="0"/>
-                        </a:rPr>
-                        <a:t>cách </a:t>
-                      </a:r>
-                      <a:r>
-                        <a:rPr lang="vi-VN" sz="1600" dirty="0">
-                          <a:effectLst/>
-                          <a:latin typeface="Times New Roman" panose="02020603050405020304" pitchFamily="18" charset="0"/>
-                          <a:ea typeface="SimSun" panose="02010600030101010101" pitchFamily="2" charset="-122"/>
-                          <a:cs typeface="Times New Roman" panose="02020603050405020304" pitchFamily="18" charset="0"/>
-                        </a:rPr>
-                        <a:t>mô phỏng trên phần </a:t>
-                      </a:r>
-                      <a:r>
-                        <a:rPr lang="vi-VN" sz="1600" dirty="0" smtClean="0">
-                          <a:effectLst/>
-                          <a:latin typeface="Times New Roman" panose="02020603050405020304" pitchFamily="18" charset="0"/>
-                          <a:ea typeface="SimSun" panose="02010600030101010101" pitchFamily="2" charset="-122"/>
-                          <a:cs typeface="Times New Roman" panose="02020603050405020304" pitchFamily="18" charset="0"/>
-                        </a:rPr>
-                        <a:t>mềm</a:t>
+                        <a:t> về hệ điều hành linux</a:t>
                       </a:r>
                       <a:endParaRPr lang="en-US" sz="1600" dirty="0">
                         <a:effectLst/>
@@ -13841,7 +14068,7 @@
                         </a:spcAft>
                       </a:pPr>
                       <a:r>
-                        <a:rPr lang="en-US" sz="1600" kern="1200">
+                        <a:rPr lang="en-US" sz="1600" kern="1200" dirty="0">
                           <a:solidFill>
                             <a:srgbClr val="000000"/>
                           </a:solidFill>
@@ -13852,7 +14079,7 @@
                         </a:rPr>
                         <a:t>1 </a:t>
                       </a:r>
-                      <a:endParaRPr lang="en-US" sz="1600">
+                      <a:endParaRPr lang="en-US" sz="1600" dirty="0">
                         <a:effectLst/>
                         <a:latin typeface="Times New Roman" panose="02020603050405020304" pitchFamily="18" charset="0"/>
                         <a:ea typeface="Calibri" panose="020F0502020204030204" pitchFamily="34" charset="0"/>
@@ -14015,13 +14242,97 @@
                         </a:spcAft>
                       </a:pPr>
                       <a:r>
-                        <a:rPr lang="vi-VN" sz="1600">
+                        <a:rPr lang="vi-VN" sz="1600" dirty="0">
                           <a:effectLst/>
                           <a:latin typeface="Times New Roman" panose="02020603050405020304" pitchFamily="18" charset="0"/>
                           <a:ea typeface="SimSun" panose="02010600030101010101" pitchFamily="2" charset="-122"/>
                           <a:cs typeface="Times New Roman" panose="02020603050405020304" pitchFamily="18" charset="0"/>
                         </a:rPr>
                         <a:t>Lập lịch </a:t>
+                      </a:r>
+                      <a:r>
+                        <a:rPr lang="vi-VN" sz="1600" dirty="0" smtClean="0">
+                          <a:effectLst/>
+                          <a:latin typeface="Times New Roman" panose="02020603050405020304" pitchFamily="18" charset="0"/>
+                          <a:ea typeface="SimSun" panose="02010600030101010101" pitchFamily="2" charset="-122"/>
+                          <a:cs typeface="Times New Roman" panose="02020603050405020304" pitchFamily="18" charset="0"/>
+                        </a:rPr>
+                        <a:t>và công việc </a:t>
+                      </a:r>
+                      <a:endParaRPr lang="en-US" sz="1600" dirty="0">
+                        <a:effectLst/>
+                        <a:latin typeface="Times New Roman" panose="02020603050405020304" pitchFamily="18" charset="0"/>
+                        <a:ea typeface="Calibri" panose="020F0502020204030204" pitchFamily="34" charset="0"/>
+                        <a:cs typeface="Times New Roman" panose="02020603050405020304" pitchFamily="18" charset="0"/>
+                      </a:endParaRPr>
+                    </a:p>
+                  </a:txBody>
+                  <a:tcPr marL="68580" marR="68580" marT="0" marB="0" anchor="ctr">
+                    <a:lnL w="12700" cap="flat" cmpd="sng" algn="ctr">
+                      <a:solidFill>
+                        <a:srgbClr val="000000"/>
+                      </a:solidFill>
+                      <a:prstDash val="solid"/>
+                      <a:round/>
+                      <a:headEnd type="none" w="med" len="med"/>
+                      <a:tailEnd type="none" w="med" len="med"/>
+                    </a:lnL>
+                    <a:lnR w="12700" cap="flat" cmpd="sng" algn="ctr">
+                      <a:solidFill>
+                        <a:srgbClr val="000000"/>
+                      </a:solidFill>
+                      <a:prstDash val="solid"/>
+                      <a:round/>
+                      <a:headEnd type="none" w="med" len="med"/>
+                      <a:tailEnd type="none" w="med" len="med"/>
+                    </a:lnR>
+                    <a:lnT w="12700" cap="flat" cmpd="sng" algn="ctr">
+                      <a:solidFill>
+                        <a:srgbClr val="000000"/>
+                      </a:solidFill>
+                      <a:prstDash val="solid"/>
+                      <a:round/>
+                      <a:headEnd type="none" w="med" len="med"/>
+                      <a:tailEnd type="none" w="med" len="med"/>
+                    </a:lnT>
+                    <a:lnB w="12700" cap="flat" cmpd="sng" algn="ctr">
+                      <a:solidFill>
+                        <a:srgbClr val="000000"/>
+                      </a:solidFill>
+                      <a:prstDash val="solid"/>
+                      <a:round/>
+                      <a:headEnd type="none" w="med" len="med"/>
+                      <a:tailEnd type="none" w="med" len="med"/>
+                    </a:lnB>
+                  </a:tcPr>
+                </a:tc>
+                <a:tc>
+                  <a:txBody>
+                    <a:bodyPr/>
+                    <a:lstStyle/>
+                    <a:p>
+                      <a:pPr marL="0" marR="0" algn="just">
+                        <a:lnSpc>
+                          <a:spcPct val="150000"/>
+                        </a:lnSpc>
+                        <a:spcBef>
+                          <a:spcPts val="600"/>
+                        </a:spcBef>
+                        <a:spcAft>
+                          <a:spcPts val="600"/>
+                        </a:spcAft>
+                      </a:pPr>
+                      <a:r>
+                        <a:rPr lang="en-US" sz="1600" kern="1200">
+                          <a:solidFill>
+                            <a:srgbClr val="000000"/>
+                          </a:solidFill>
+                          <a:effectLst/>
+                          <a:latin typeface="Times New Roman" panose="02020603050405020304" pitchFamily="18" charset="0"/>
+                          <a:ea typeface="SimSun" panose="02010600030101010101" pitchFamily="2" charset="-122"/>
+                          <a:cs typeface="Times New Roman" panose="02020603050405020304" pitchFamily="18" charset="0"/>
+                        </a:rPr>
+                        <a:t>Xây dựng và phân công công việc</a:t>
                       </a:r>
                       <a:endParaRPr lang="en-US" sz="1600">
                         <a:effectLst/>
@@ -14087,82 +14398,7 @@
                         </a:spcAft>
                       </a:pPr>
                       <a:r>
-                        <a:rPr lang="en-US" sz="1600" kern="1200">
-                          <a:solidFill>
-                            <a:srgbClr val="000000"/>
-                          </a:solidFill>
-                          <a:effectLst/>
-                          <a:latin typeface="Times New Roman" panose="02020603050405020304" pitchFamily="18" charset="0"/>
-                          <a:ea typeface="SimSun" panose="02010600030101010101" pitchFamily="2" charset="-122"/>
-                          <a:cs typeface="Times New Roman" panose="02020603050405020304" pitchFamily="18" charset="0"/>
-                        </a:rPr>
-                        <a:t>Xây dựng và phân công công việc</a:t>
-                      </a:r>
-                      <a:endParaRPr lang="en-US" sz="1600">
-                        <a:effectLst/>
-                        <a:latin typeface="Times New Roman" panose="02020603050405020304" pitchFamily="18" charset="0"/>
-                        <a:ea typeface="Calibri" panose="020F0502020204030204" pitchFamily="34" charset="0"/>
-                        <a:cs typeface="Times New Roman" panose="02020603050405020304" pitchFamily="18" charset="0"/>
-                      </a:endParaRPr>
-                    </a:p>
-                  </a:txBody>
-                  <a:tcPr marL="68580" marR="68580" marT="0" marB="0" anchor="ctr">
-                    <a:lnL w="12700" cap="flat" cmpd="sng" algn="ctr">
-                      <a:solidFill>
-                        <a:srgbClr val="000000"/>
-                      </a:solidFill>
-                      <a:prstDash val="solid"/>
-                      <a:round/>
-                      <a:headEnd type="none" w="med" len="med"/>
-                      <a:tailEnd type="none" w="med" len="med"/>
-                    </a:lnL>
-                    <a:lnR w="12700" cap="flat" cmpd="sng" algn="ctr">
-                      <a:solidFill>
-                        <a:srgbClr val="000000"/>
-                      </a:solidFill>
-                      <a:prstDash val="solid"/>
-                      <a:round/>
-                      <a:headEnd type="none" w="med" len="med"/>
-                      <a:tailEnd type="none" w="med" len="med"/>
-                    </a:lnR>
-                    <a:lnT w="12700" cap="flat" cmpd="sng" algn="ctr">
-                      <a:solidFill>
-                        <a:srgbClr val="000000"/>
-                      </a:solidFill>
-                      <a:prstDash val="solid"/>
-                      <a:round/>
-                      <a:headEnd type="none" w="med" len="med"/>
-                      <a:tailEnd type="none" w="med" len="med"/>
-                    </a:lnT>
-                    <a:lnB w="12700" cap="flat" cmpd="sng" algn="ctr">
-                      <a:solidFill>
-                        <a:srgbClr val="000000"/>
-                      </a:solidFill>
-                      <a:prstDash val="solid"/>
-                      <a:round/>
-                      <a:headEnd type="none" w="med" len="med"/>
-                      <a:tailEnd type="none" w="med" len="med"/>
-                    </a:lnB>
-                  </a:tcPr>
-                </a:tc>
-                <a:tc>
-                  <a:txBody>
-                    <a:bodyPr/>
-                    <a:lstStyle/>
-                    <a:p>
-                      <a:pPr marL="0" marR="0" algn="just">
-                        <a:lnSpc>
-                          <a:spcPct val="150000"/>
-                        </a:lnSpc>
-                        <a:spcBef>
-                          <a:spcPts val="600"/>
-                        </a:spcBef>
-                        <a:spcAft>
-                          <a:spcPts val="600"/>
-                        </a:spcAft>
-                      </a:pPr>
-                      <a:r>
-                        <a:rPr lang="en-US" sz="1600" kern="1200">
+                        <a:rPr lang="en-US" sz="1600" kern="1200" dirty="0">
                           <a:solidFill>
                             <a:srgbClr val="000000"/>
                           </a:solidFill>
@@ -14173,7 +14409,7 @@
                         </a:rPr>
                         <a:t>1 </a:t>
                       </a:r>
-                      <a:endParaRPr lang="en-US" sz="1600">
+                      <a:endParaRPr lang="en-US" sz="1600" dirty="0">
                         <a:effectLst/>
                         <a:latin typeface="Times New Roman" panose="02020603050405020304" pitchFamily="18" charset="0"/>
                         <a:ea typeface="Calibri" panose="020F0502020204030204" pitchFamily="34" charset="0"/>
@@ -14336,15 +14572,15 @@
                         </a:spcAft>
                       </a:pPr>
                       <a:r>
-                        <a:rPr lang="vi-VN" sz="1600">
+                        <a:rPr lang="vi-VN" sz="1600" dirty="0" smtClean="0">
                           <a:effectLst/>
                           <a:latin typeface="Times New Roman" panose="02020603050405020304" pitchFamily="18" charset="0"/>
-                          <a:ea typeface="SimSun" panose="02010600030101010101" pitchFamily="2" charset="-122"/>
+                          <a:ea typeface="Calibri" panose="020F0502020204030204" pitchFamily="34" charset="0"/>
                           <a:cs typeface="Times New Roman" panose="02020603050405020304" pitchFamily="18" charset="0"/>
                         </a:rPr>
-                        <a:t>Xây dựng tuyến</a:t>
-                      </a:r>
-                      <a:endParaRPr lang="en-US" sz="1600">
+                        <a:t>Tìm hiểu các phương pháp lập lịch</a:t>
+                      </a:r>
+                      <a:endParaRPr lang="en-US" sz="1600" dirty="0">
                         <a:effectLst/>
                         <a:latin typeface="Times New Roman" panose="02020603050405020304" pitchFamily="18" charset="0"/>
                         <a:ea typeface="Calibri" panose="020F0502020204030204" pitchFamily="34" charset="0"/>
@@ -14411,16 +14647,13 @@
                         </a:spcAft>
                       </a:pPr>
                       <a:r>
-                        <a:rPr lang="vi-VN" sz="1600" kern="1200" dirty="0">
-                          <a:solidFill>
-                            <a:srgbClr val="000000"/>
-                          </a:solidFill>
+                        <a:rPr lang="vi-VN" sz="1600" dirty="0" smtClean="0">
                           <a:effectLst/>
                           <a:latin typeface="Times New Roman" panose="02020603050405020304" pitchFamily="18" charset="0"/>
-                          <a:ea typeface="SimSun" panose="02010600030101010101" pitchFamily="2" charset="-122"/>
+                          <a:ea typeface="Calibri" panose="020F0502020204030204" pitchFamily="34" charset="0"/>
                           <a:cs typeface="Times New Roman" panose="02020603050405020304" pitchFamily="18" charset="0"/>
                         </a:rPr>
-                        <a:t>Xác định tọa độ điểm thu phát</a:t>
+                        <a:t>Tìm hiểu các giải thuật hiện có </a:t>
                       </a:r>
                       <a:endParaRPr lang="en-US" sz="1600" dirty="0">
                         <a:effectLst/>
@@ -14660,18 +14893,15 @@
                         </a:spcAft>
                       </a:pPr>
                       <a:r>
-                        <a:rPr lang="vi-VN" sz="1600" kern="1200">
-                          <a:solidFill>
-                            <a:srgbClr val="000000"/>
-                          </a:solidFill>
+                        <a:rPr lang="vi-VN" sz="1600" dirty="0" smtClean="0">
                           <a:effectLst/>
                           <a:latin typeface="Times New Roman" panose="02020603050405020304" pitchFamily="18" charset="0"/>
-                          <a:ea typeface="SimSun" panose="02010600030101010101" pitchFamily="2" charset="-122"/>
+                          <a:ea typeface="Calibri" panose="020F0502020204030204" pitchFamily="34" charset="0"/>
                           <a:cs typeface="Times New Roman" panose="02020603050405020304" pitchFamily="18" charset="0"/>
                         </a:rPr>
-                        <a:t>Tìm hiểu môi trường địa hình</a:t>
-                      </a:r>
-                      <a:endParaRPr lang="en-US" sz="1600">
+                        <a:t>Tìm hiểu code mô phỏng</a:t>
+                      </a:r>
+                      <a:endParaRPr lang="en-US" sz="1600" dirty="0">
                         <a:effectLst/>
                         <a:latin typeface="Times New Roman" panose="02020603050405020304" pitchFamily="18" charset="0"/>
                         <a:ea typeface="Calibri" panose="020F0502020204030204" pitchFamily="34" charset="0"/>
@@ -14735,7 +14965,7 @@
                         </a:spcAft>
                       </a:pPr>
                       <a:r>
-                        <a:rPr lang="vi-VN" sz="1600" kern="1200">
+                        <a:rPr lang="vi-VN" sz="1600" kern="1200" dirty="0">
                           <a:solidFill>
                             <a:srgbClr val="000000"/>
                           </a:solidFill>
@@ -14744,9 +14974,21 @@
                           <a:ea typeface="SimSun" panose="02010600030101010101" pitchFamily="2" charset="-122"/>
                           <a:cs typeface="Times New Roman" panose="02020603050405020304" pitchFamily="18" charset="0"/>
                         </a:rPr>
-                        <a:t> Quan sát địa hình giữa các tuyến đặt trạm </a:t>
-                      </a:r>
-                      <a:endParaRPr lang="en-US" sz="1600">
+                        <a:t> </a:t>
+                      </a:r>
+                      <a:r>
+                        <a:rPr lang="vi-VN" sz="1600" kern="1200" dirty="0" smtClean="0">
+                          <a:solidFill>
+                            <a:srgbClr val="000000"/>
+                          </a:solidFill>
+                          <a:effectLst/>
+                          <a:latin typeface="Times New Roman" panose="02020603050405020304" pitchFamily="18" charset="0"/>
+                          <a:ea typeface="SimSun" panose="02010600030101010101" pitchFamily="2" charset="-122"/>
+                          <a:cs typeface="Times New Roman" panose="02020603050405020304" pitchFamily="18" charset="0"/>
+                        </a:rPr>
+                        <a:t>Đọc và chạy thử code </a:t>
+                      </a:r>
+                      <a:endParaRPr lang="en-US" sz="1600" dirty="0">
                         <a:effectLst/>
                         <a:latin typeface="Times New Roman" panose="02020603050405020304" pitchFamily="18" charset="0"/>
                         <a:ea typeface="Calibri" panose="020F0502020204030204" pitchFamily="34" charset="0"/>
@@ -14981,18 +15223,24 @@
                         </a:spcAft>
                       </a:pPr>
                       <a:r>
-                        <a:rPr lang="en-US" sz="1600" kern="1200">
-                          <a:solidFill>
-                            <a:srgbClr val="000000"/>
-                          </a:solidFill>
+                        <a:rPr lang="vi-VN" sz="1600" dirty="0" smtClean="0">
                           <a:effectLst/>
                           <a:latin typeface="Times New Roman" panose="02020603050405020304" pitchFamily="18" charset="0"/>
-                          <a:ea typeface="SimSun" panose="02010600030101010101" pitchFamily="2" charset="-122"/>
+                          <a:ea typeface="Calibri" panose="020F0502020204030204" pitchFamily="34" charset="0"/>
                           <a:cs typeface="Times New Roman" panose="02020603050405020304" pitchFamily="18" charset="0"/>
                         </a:rPr>
-                        <a:t>Thử nghiệm mô phỏng và Lựa chọn phương án tối ưu</a:t>
-                      </a:r>
-                      <a:endParaRPr lang="en-US" sz="1600">
+                        <a:t>Hiểu chỉnh code</a:t>
+                      </a:r>
+                      <a:r>
+                        <a:rPr lang="vi-VN" sz="1600" baseline="0" dirty="0" smtClean="0">
+                          <a:effectLst/>
+                          <a:latin typeface="Times New Roman" panose="02020603050405020304" pitchFamily="18" charset="0"/>
+                          <a:ea typeface="Calibri" panose="020F0502020204030204" pitchFamily="34" charset="0"/>
+                          <a:cs typeface="Times New Roman" panose="02020603050405020304" pitchFamily="18" charset="0"/>
+                        </a:rPr>
+                        <a:t> in ra kết quả( time cpu )</a:t>
+                      </a:r>
+                      <a:endParaRPr lang="en-US" sz="1600" dirty="0">
                         <a:effectLst/>
                         <a:latin typeface="Times New Roman" panose="02020603050405020304" pitchFamily="18" charset="0"/>
                         <a:ea typeface="Calibri" panose="020F0502020204030204" pitchFamily="34" charset="0"/>
@@ -15131,7 +15379,7 @@
                         <a:t> </a:t>
                       </a:r>
                       <a:r>
-                        <a:rPr lang="en-US" sz="1600" kern="1200" dirty="0" err="1">
+                        <a:rPr lang="vi-VN" sz="1600" kern="1200" dirty="0" smtClean="0">
                           <a:solidFill>
                             <a:srgbClr val="000000"/>
                           </a:solidFill>
@@ -15140,67 +15388,7 @@
                           <a:ea typeface="SimSun" panose="02010600030101010101" pitchFamily="2" charset="-122"/>
                           <a:cs typeface="Times New Roman" panose="02020603050405020304" pitchFamily="18" charset="0"/>
                         </a:rPr>
-                        <a:t>trên</a:t>
-                      </a:r>
-                      <a:r>
-                        <a:rPr lang="en-US" sz="1600" kern="1200" dirty="0">
-                          <a:solidFill>
-                            <a:srgbClr val="000000"/>
-                          </a:solidFill>
-                          <a:effectLst/>
-                          <a:latin typeface="Times New Roman" panose="02020603050405020304" pitchFamily="18" charset="0"/>
-                          <a:ea typeface="SimSun" panose="02010600030101010101" pitchFamily="2" charset="-122"/>
-                          <a:cs typeface="Times New Roman" panose="02020603050405020304" pitchFamily="18" charset="0"/>
-                        </a:rPr>
-                        <a:t> </a:t>
-                      </a:r>
-                      <a:r>
-                        <a:rPr lang="en-US" sz="1600" kern="1200" dirty="0" err="1">
-                          <a:solidFill>
-                            <a:srgbClr val="000000"/>
-                          </a:solidFill>
-                          <a:effectLst/>
-                          <a:latin typeface="Times New Roman" panose="02020603050405020304" pitchFamily="18" charset="0"/>
-                          <a:ea typeface="SimSun" panose="02010600030101010101" pitchFamily="2" charset="-122"/>
-                          <a:cs typeface="Times New Roman" panose="02020603050405020304" pitchFamily="18" charset="0"/>
-                        </a:rPr>
-                        <a:t>phần</a:t>
-                      </a:r>
-                      <a:r>
-                        <a:rPr lang="en-US" sz="1600" kern="1200" dirty="0">
-                          <a:solidFill>
-                            <a:srgbClr val="000000"/>
-                          </a:solidFill>
-                          <a:effectLst/>
-                          <a:latin typeface="Times New Roman" panose="02020603050405020304" pitchFamily="18" charset="0"/>
-                          <a:ea typeface="SimSun" panose="02010600030101010101" pitchFamily="2" charset="-122"/>
-                          <a:cs typeface="Times New Roman" panose="02020603050405020304" pitchFamily="18" charset="0"/>
-                        </a:rPr>
-                        <a:t> </a:t>
-                      </a:r>
-                      <a:r>
-                        <a:rPr lang="en-US" sz="1600" kern="1200" dirty="0" err="1">
-                          <a:solidFill>
-                            <a:srgbClr val="000000"/>
-                          </a:solidFill>
-                          <a:effectLst/>
-                          <a:latin typeface="Times New Roman" panose="02020603050405020304" pitchFamily="18" charset="0"/>
-                          <a:ea typeface="SimSun" panose="02010600030101010101" pitchFamily="2" charset="-122"/>
-                          <a:cs typeface="Times New Roman" panose="02020603050405020304" pitchFamily="18" charset="0"/>
-                        </a:rPr>
-                        <a:t>mềm</a:t>
-                      </a:r>
-                      <a:r>
-                        <a:rPr lang="en-US" sz="1600" kern="1200" dirty="0">
-                          <a:solidFill>
-                            <a:srgbClr val="000000"/>
-                          </a:solidFill>
-                          <a:effectLst/>
-                          <a:latin typeface="Times New Roman" panose="02020603050405020304" pitchFamily="18" charset="0"/>
-                          <a:ea typeface="SimSun" panose="02010600030101010101" pitchFamily="2" charset="-122"/>
-                          <a:cs typeface="Times New Roman" panose="02020603050405020304" pitchFamily="18" charset="0"/>
-                        </a:rPr>
-                        <a:t> </a:t>
+                        <a:t>tính toán thời gian, biểu đồ</a:t>
                       </a:r>
                       <a:endParaRPr lang="en-US" sz="1600" dirty="0">
                         <a:effectLst/>
@@ -15440,115 +15628,13 @@
                         </a:spcAft>
                       </a:pPr>
                       <a:r>
-                        <a:rPr lang="vi-VN" sz="1600" kern="1200">
-                          <a:solidFill>
-                            <a:srgbClr val="000000"/>
-                          </a:solidFill>
+                        <a:rPr lang="vi-VN" sz="1600" dirty="0" smtClean="0">
                           <a:effectLst/>
                           <a:latin typeface="Times New Roman" panose="02020603050405020304" pitchFamily="18" charset="0"/>
-                          <a:ea typeface="SimSun" panose="02010600030101010101" pitchFamily="2" charset="-122"/>
+                          <a:ea typeface="Calibri" panose="020F0502020204030204" pitchFamily="34" charset="0"/>
                           <a:cs typeface="Times New Roman" panose="02020603050405020304" pitchFamily="18" charset="0"/>
                         </a:rPr>
-                        <a:t>Tính toán </a:t>
-                      </a:r>
-                      <a:endParaRPr lang="en-US" sz="1600">
-                        <a:effectLst/>
-                        <a:latin typeface="Times New Roman" panose="02020603050405020304" pitchFamily="18" charset="0"/>
-                        <a:ea typeface="Calibri" panose="020F0502020204030204" pitchFamily="34" charset="0"/>
-                        <a:cs typeface="Times New Roman" panose="02020603050405020304" pitchFamily="18" charset="0"/>
-                      </a:endParaRPr>
-                    </a:p>
-                  </a:txBody>
-                  <a:tcPr marL="68580" marR="68580" marT="0" marB="0" anchor="ctr">
-                    <a:lnL w="12700" cap="flat" cmpd="sng" algn="ctr">
-                      <a:solidFill>
-                        <a:srgbClr val="000000"/>
-                      </a:solidFill>
-                      <a:prstDash val="solid"/>
-                      <a:round/>
-                      <a:headEnd type="none" w="med" len="med"/>
-                      <a:tailEnd type="none" w="med" len="med"/>
-                    </a:lnL>
-                    <a:lnR w="12700" cap="flat" cmpd="sng" algn="ctr">
-                      <a:solidFill>
-                        <a:srgbClr val="000000"/>
-                      </a:solidFill>
-                      <a:prstDash val="solid"/>
-                      <a:round/>
-                      <a:headEnd type="none" w="med" len="med"/>
-                      <a:tailEnd type="none" w="med" len="med"/>
-                    </a:lnR>
-                    <a:lnT w="12700" cap="flat" cmpd="sng" algn="ctr">
-                      <a:solidFill>
-                        <a:srgbClr val="000000"/>
-                      </a:solidFill>
-                      <a:prstDash val="solid"/>
-                      <a:round/>
-                      <a:headEnd type="none" w="med" len="med"/>
-                      <a:tailEnd type="none" w="med" len="med"/>
-                    </a:lnT>
-                    <a:lnB w="12700" cap="flat" cmpd="sng" algn="ctr">
-                      <a:solidFill>
-                        <a:srgbClr val="000000"/>
-                      </a:solidFill>
-                      <a:prstDash val="solid"/>
-                      <a:round/>
-                      <a:headEnd type="none" w="med" len="med"/>
-                      <a:tailEnd type="none" w="med" len="med"/>
-                    </a:lnB>
-                  </a:tcPr>
-                </a:tc>
-                <a:tc>
-                  <a:txBody>
-                    <a:bodyPr/>
-                    <a:lstStyle/>
-                    <a:p>
-                      <a:pPr marL="0" marR="0" algn="just">
-                        <a:lnSpc>
-                          <a:spcPct val="150000"/>
-                        </a:lnSpc>
-                        <a:spcBef>
-                          <a:spcPts val="600"/>
-                        </a:spcBef>
-                        <a:spcAft>
-                          <a:spcPts val="600"/>
-                        </a:spcAft>
-                      </a:pPr>
-                      <a:r>
-                        <a:rPr lang="vi-VN" sz="1600" kern="1200" dirty="0">
-                          <a:solidFill>
-                            <a:srgbClr val="000000"/>
-                          </a:solidFill>
-                          <a:effectLst/>
-                          <a:latin typeface="Times New Roman" panose="02020603050405020304" pitchFamily="18" charset="0"/>
-                          <a:ea typeface="SimSun" panose="02010600030101010101" pitchFamily="2" charset="-122"/>
-                          <a:cs typeface="Times New Roman" panose="02020603050405020304" pitchFamily="18" charset="0"/>
-                        </a:rPr>
-                        <a:t>Dựa trên thông số mô phỏng tính toán lại và so </a:t>
-                      </a:r>
-                      <a:r>
-                        <a:rPr lang="vi-VN" sz="1600" kern="1200" dirty="0" smtClean="0">
-                          <a:solidFill>
-                            <a:srgbClr val="000000"/>
-                          </a:solidFill>
-                          <a:effectLst/>
-                          <a:latin typeface="Times New Roman" panose="02020603050405020304" pitchFamily="18" charset="0"/>
-                          <a:ea typeface="SimSun" panose="02010600030101010101" pitchFamily="2" charset="-122"/>
-                          <a:cs typeface="Times New Roman" panose="02020603050405020304" pitchFamily="18" charset="0"/>
-                        </a:rPr>
-                        <a:t>sánh     </a:t>
-                      </a:r>
-                      <a:r>
-                        <a:rPr lang="vi-VN" sz="1600" kern="1200" dirty="0">
-                          <a:solidFill>
-                            <a:srgbClr val="000000"/>
-                          </a:solidFill>
-                          <a:effectLst/>
-                          <a:latin typeface="Times New Roman" panose="02020603050405020304" pitchFamily="18" charset="0"/>
-                          <a:ea typeface="SimSun" panose="02010600030101010101" pitchFamily="2" charset="-122"/>
-                          <a:cs typeface="Times New Roman" panose="02020603050405020304" pitchFamily="18" charset="0"/>
-                        </a:rPr>
-                        <a:t>( suy hao không gian tự do , suy hao mưa …)</a:t>
+                        <a:t>Lập biểu đồ và so sánh giữa các giải thuật </a:t>
                       </a:r>
                       <a:endParaRPr lang="en-US" sz="1600" dirty="0">
                         <a:effectLst/>
@@ -15614,7 +15700,94 @@
                         </a:spcAft>
                       </a:pPr>
                       <a:r>
-                        <a:rPr lang="en-US" sz="1600" kern="1200">
+                        <a:rPr lang="vi-VN" sz="1600" kern="1200" dirty="0">
+                          <a:solidFill>
+                            <a:srgbClr val="000000"/>
+                          </a:solidFill>
+                          <a:effectLst/>
+                          <a:latin typeface="Times New Roman" panose="02020603050405020304" pitchFamily="18" charset="0"/>
+                          <a:ea typeface="SimSun" panose="02010600030101010101" pitchFamily="2" charset="-122"/>
+                          <a:cs typeface="Times New Roman" panose="02020603050405020304" pitchFamily="18" charset="0"/>
+                        </a:rPr>
+                        <a:t>Dựa trên thông số mô phỏng </a:t>
+                      </a:r>
+                      <a:r>
+                        <a:rPr lang="vi-VN" sz="1600" kern="1200" dirty="0" smtClean="0">
+                          <a:solidFill>
+                            <a:srgbClr val="000000"/>
+                          </a:solidFill>
+                          <a:effectLst/>
+                          <a:latin typeface="Times New Roman" panose="02020603050405020304" pitchFamily="18" charset="0"/>
+                          <a:ea typeface="SimSun" panose="02010600030101010101" pitchFamily="2" charset="-122"/>
+                          <a:cs typeface="Times New Roman" panose="02020603050405020304" pitchFamily="18" charset="0"/>
+                        </a:rPr>
+                        <a:t>và so sánh giữa các giải thuật , đưa ra kết luận </a:t>
+                      </a:r>
+                      <a:endParaRPr lang="en-US" sz="1600" dirty="0">
+                        <a:effectLst/>
+                        <a:latin typeface="Times New Roman" panose="02020603050405020304" pitchFamily="18" charset="0"/>
+                        <a:ea typeface="Calibri" panose="020F0502020204030204" pitchFamily="34" charset="0"/>
+                        <a:cs typeface="Times New Roman" panose="02020603050405020304" pitchFamily="18" charset="0"/>
+                      </a:endParaRPr>
+                    </a:p>
+                  </a:txBody>
+                  <a:tcPr marL="68580" marR="68580" marT="0" marB="0" anchor="ctr">
+                    <a:lnL w="12700" cap="flat" cmpd="sng" algn="ctr">
+                      <a:solidFill>
+                        <a:srgbClr val="000000"/>
+                      </a:solidFill>
+                      <a:prstDash val="solid"/>
+                      <a:round/>
+                      <a:headEnd type="none" w="med" len="med"/>
+                      <a:tailEnd type="none" w="med" len="med"/>
+                    </a:lnL>
+                    <a:lnR w="12700" cap="flat" cmpd="sng" algn="ctr">
+                      <a:solidFill>
+                        <a:srgbClr val="000000"/>
+                      </a:solidFill>
+                      <a:prstDash val="solid"/>
+                      <a:round/>
+                      <a:headEnd type="none" w="med" len="med"/>
+                      <a:tailEnd type="none" w="med" len="med"/>
+                    </a:lnR>
+                    <a:lnT w="12700" cap="flat" cmpd="sng" algn="ctr">
+                      <a:solidFill>
+                        <a:srgbClr val="000000"/>
+                      </a:solidFill>
+                      <a:prstDash val="solid"/>
+                      <a:round/>
+                      <a:headEnd type="none" w="med" len="med"/>
+                      <a:tailEnd type="none" w="med" len="med"/>
+                    </a:lnT>
+                    <a:lnB w="12700" cap="flat" cmpd="sng" algn="ctr">
+                      <a:solidFill>
+                        <a:srgbClr val="000000"/>
+                      </a:solidFill>
+                      <a:prstDash val="solid"/>
+                      <a:round/>
+                      <a:headEnd type="none" w="med" len="med"/>
+                      <a:tailEnd type="none" w="med" len="med"/>
+                    </a:lnB>
+                  </a:tcPr>
+                </a:tc>
+                <a:tc>
+                  <a:txBody>
+                    <a:bodyPr/>
+                    <a:lstStyle/>
+                    <a:p>
+                      <a:pPr marL="0" marR="0" algn="just">
+                        <a:lnSpc>
+                          <a:spcPct val="150000"/>
+                        </a:lnSpc>
+                        <a:spcBef>
+                          <a:spcPts val="600"/>
+                        </a:spcBef>
+                        <a:spcAft>
+                          <a:spcPts val="600"/>
+                        </a:spcAft>
+                      </a:pPr>
+                      <a:r>
+                        <a:rPr lang="en-US" sz="1600" kern="1200" dirty="0">
                           <a:solidFill>
                             <a:srgbClr val="000000"/>
                           </a:solidFill>
@@ -15625,7 +15798,7 @@
                         </a:rPr>
                         <a:t>3</a:t>
                       </a:r>
-                      <a:endParaRPr lang="en-US" sz="1600">
+                      <a:endParaRPr lang="en-US" sz="1600" dirty="0">
                         <a:effectLst/>
                         <a:latin typeface="Times New Roman" panose="02020603050405020304" pitchFamily="18" charset="0"/>
                         <a:ea typeface="Calibri" panose="020F0502020204030204" pitchFamily="34" charset="0"/>
@@ -16025,6 +16198,13 @@
   <p:clrMapOvr>
     <a:masterClrMapping/>
   </p:clrMapOvr>
+  <p:timing>
+    <p:tnLst>
+      <p:par>
+        <p:cTn id="1" dur="indefinite" restart="never" nodeType="tmRoot"/>
+      </p:par>
+    </p:tnLst>
+  </p:timing>
 </p:sld>
 </file>
 
@@ -16060,6 +16240,802 @@
           <a:bodyPr/>
           <a:lstStyle/>
           <a:p>
+            <a:r>
+              <a:rPr lang="vi-VN" dirty="0"/>
+              <a:t>Scheduling FCFS</a:t>
+            </a:r>
+            <a:endParaRPr lang="en-US" dirty="0"/>
+          </a:p>
+        </p:txBody>
+      </p:sp>
+      <p:sp>
+        <p:nvSpPr>
+          <p:cNvPr id="5" name="Content Placeholder 4"/>
+          <p:cNvSpPr>
+            <a:spLocks noGrp="1"/>
+          </p:cNvSpPr>
+          <p:nvPr>
+            <p:ph idx="1"/>
+          </p:nvPr>
+        </p:nvSpPr>
+        <p:spPr>
+          <a:xfrm>
+            <a:off x="1169233" y="1588957"/>
+            <a:ext cx="10335379" cy="5111646"/>
+          </a:xfrm>
+        </p:spPr>
+        <p:txBody>
+          <a:bodyPr/>
+          <a:lstStyle/>
+          <a:p>
+            <a:r>
+              <a:rPr lang="vi-VN" dirty="0" smtClean="0"/>
+              <a:t>Giả sử mức độ ưu tiên đặt ngẫu nhiên: ta có bẳng thời gian chiếm dụng CPU các luồng ( trong 1 phút </a:t>
+            </a:r>
+            <a:r>
+              <a:rPr lang="vi-VN" dirty="0" smtClean="0"/>
+              <a:t>)</a:t>
+            </a:r>
+          </a:p>
+          <a:p>
+            <a:endParaRPr lang="vi-VN" dirty="0"/>
+          </a:p>
+          <a:p>
+            <a:endParaRPr lang="vi-VN" dirty="0" smtClean="0"/>
+          </a:p>
+          <a:p>
+            <a:endParaRPr lang="vi-VN" dirty="0"/>
+          </a:p>
+          <a:p>
+            <a:endParaRPr lang="vi-VN" dirty="0" smtClean="0"/>
+          </a:p>
+          <a:p>
+            <a:endParaRPr lang="vi-VN" dirty="0"/>
+          </a:p>
+          <a:p>
+            <a:endParaRPr lang="vi-VN" dirty="0" smtClean="0"/>
+          </a:p>
+          <a:p>
+            <a:pPr marL="0" indent="0">
+              <a:buNone/>
+            </a:pPr>
+            <a:endParaRPr lang="vi-VN" dirty="0"/>
+          </a:p>
+          <a:p>
+            <a:pPr marL="0" indent="0">
+              <a:buNone/>
+            </a:pPr>
+            <a:r>
+              <a:rPr lang="vi-VN" dirty="0" smtClean="0"/>
+              <a:t>=&gt; Kết luận: khi có cùng mức độ ưu tiên với giải thuật FCFS , thời gian sử dụng tài nguyên của các tiến trình có giá trị gần giống nhau. Tuy nhiên có sự đột biến về thời gian sử dụng tại P0 ( nguyên nhân xảy ra chưa xác định ). Ta thay đổi mức độ ưu tiên thì kết quả không thay đổi nhiều </a:t>
+            </a:r>
+            <a:endParaRPr lang="vi-VN" dirty="0" smtClean="0"/>
+          </a:p>
+          <a:p>
+            <a:pPr marL="0" indent="0">
+              <a:buNone/>
+            </a:pPr>
+            <a:endParaRPr lang="vi-VN" dirty="0" smtClean="0"/>
+          </a:p>
+          <a:p>
+            <a:pPr marL="0" indent="0">
+              <a:buNone/>
+            </a:pPr>
+            <a:endParaRPr lang="vi-VN" dirty="0" smtClean="0"/>
+          </a:p>
+          <a:p>
+            <a:pPr marL="0" indent="0">
+              <a:buNone/>
+            </a:pPr>
+            <a:endParaRPr lang="en-US" dirty="0"/>
+          </a:p>
+        </p:txBody>
+      </p:sp>
+      <p:pic>
+        <p:nvPicPr>
+          <p:cNvPr id="3" name="Picture 2"/>
+          <p:cNvPicPr>
+            <a:picLocks noChangeAspect="1"/>
+          </p:cNvPicPr>
+          <p:nvPr/>
+        </p:nvPicPr>
+        <p:blipFill>
+          <a:blip r:embed="rId2"/>
+          <a:stretch>
+            <a:fillRect/>
+          </a:stretch>
+        </p:blipFill>
+        <p:spPr>
+          <a:xfrm>
+            <a:off x="3076413" y="2148453"/>
+            <a:ext cx="4998204" cy="2959463"/>
+          </a:xfrm>
+          <a:prstGeom prst="rect">
+            <a:avLst/>
+          </a:prstGeom>
+        </p:spPr>
+      </p:pic>
+    </p:spTree>
+    <p:extLst>
+      <p:ext uri="{BB962C8B-B14F-4D97-AF65-F5344CB8AC3E}">
+        <p14:creationId xmlns:p14="http://schemas.microsoft.com/office/powerpoint/2010/main" val="1032809281"/>
+      </p:ext>
+    </p:extLst>
+  </p:cSld>
+  <p:clrMapOvr>
+    <a:masterClrMapping/>
+  </p:clrMapOvr>
+  <p:timing>
+    <p:tnLst>
+      <p:par>
+        <p:cTn id="1" dur="indefinite" restart="never" nodeType="tmRoot"/>
+      </p:par>
+    </p:tnLst>
+  </p:timing>
+</p:sld>
+</file>
+
+<file path=ppt/slides/slide31.xml><?xml version="1.0" encoding="utf-8"?>
+<p:sld xmlns:a="http://schemas.openxmlformats.org/drawingml/2006/main" xmlns:r="http://schemas.openxmlformats.org/officeDocument/2006/relationships" xmlns:p="http://schemas.openxmlformats.org/presentationml/2006/main">
+  <p:cSld>
+    <p:spTree>
+      <p:nvGrpSpPr>
+        <p:cNvPr id="1" name=""/>
+        <p:cNvGrpSpPr/>
+        <p:nvPr/>
+      </p:nvGrpSpPr>
+      <p:grpSpPr>
+        <a:xfrm>
+          <a:off x="0" y="0"/>
+          <a:ext cx="0" cy="0"/>
+          <a:chOff x="0" y="0"/>
+          <a:chExt cx="0" cy="0"/>
+        </a:xfrm>
+      </p:grpSpPr>
+      <p:sp>
+        <p:nvSpPr>
+          <p:cNvPr id="2" name="Title 1"/>
+          <p:cNvSpPr>
+            <a:spLocks noGrp="1"/>
+          </p:cNvSpPr>
+          <p:nvPr>
+            <p:ph type="title"/>
+          </p:nvPr>
+        </p:nvSpPr>
+        <p:spPr/>
+        <p:txBody>
+          <a:bodyPr/>
+          <a:lstStyle/>
+          <a:p>
+            <a:r>
+              <a:rPr lang="vi-VN" dirty="0"/>
+              <a:t>Scheduling </a:t>
+            </a:r>
+            <a:r>
+              <a:rPr lang="vi-VN" dirty="0" smtClean="0"/>
+              <a:t>FJS-prority FJS</a:t>
+            </a:r>
+            <a:r>
+              <a:rPr lang="vi-VN" dirty="0"/>
+              <a:t/>
+            </a:r>
+            <a:br>
+              <a:rPr lang="vi-VN" dirty="0"/>
+            </a:br>
+            <a:endParaRPr lang="en-US" dirty="0"/>
+          </a:p>
+        </p:txBody>
+      </p:sp>
+      <p:sp>
+        <p:nvSpPr>
+          <p:cNvPr id="3" name="Content Placeholder 2"/>
+          <p:cNvSpPr>
+            <a:spLocks noGrp="1"/>
+          </p:cNvSpPr>
+          <p:nvPr>
+            <p:ph idx="1"/>
+          </p:nvPr>
+        </p:nvSpPr>
+        <p:spPr>
+          <a:xfrm>
+            <a:off x="860157" y="1487838"/>
+            <a:ext cx="10644456" cy="5098942"/>
+          </a:xfrm>
+        </p:spPr>
+        <p:txBody>
+          <a:bodyPr>
+            <a:normAutofit/>
+          </a:bodyPr>
+          <a:lstStyle/>
+          <a:p>
+            <a:r>
+              <a:rPr lang="vi-VN" dirty="0"/>
+              <a:t>Giả sử mức độ ưu tiên đặt ngẫu nhiên: ta có bẳng thời gian chiếm dụng CPU các </a:t>
+            </a:r>
+            <a:r>
+              <a:rPr lang="vi-VN" dirty="0" smtClean="0"/>
+              <a:t>luồng</a:t>
+            </a:r>
+          </a:p>
+          <a:p>
+            <a:endParaRPr lang="vi-VN" b="1" dirty="0"/>
+          </a:p>
+          <a:p>
+            <a:endParaRPr lang="vi-VN" b="1" dirty="0" smtClean="0"/>
+          </a:p>
+          <a:p>
+            <a:endParaRPr lang="vi-VN" b="1" dirty="0"/>
+          </a:p>
+          <a:p>
+            <a:endParaRPr lang="vi-VN" b="1" dirty="0" smtClean="0"/>
+          </a:p>
+          <a:p>
+            <a:endParaRPr lang="vi-VN" b="1" dirty="0"/>
+          </a:p>
+          <a:p>
+            <a:endParaRPr lang="vi-VN" b="1" dirty="0" smtClean="0"/>
+          </a:p>
+          <a:p>
+            <a:endParaRPr lang="vi-VN" b="1" dirty="0"/>
+          </a:p>
+          <a:p>
+            <a:pPr marL="0" indent="0">
+              <a:buNone/>
+            </a:pPr>
+            <a:endParaRPr lang="vi-VN" dirty="0" smtClean="0"/>
+          </a:p>
+          <a:p>
+            <a:pPr marL="0" indent="0">
+              <a:buNone/>
+            </a:pPr>
+            <a:r>
+              <a:rPr lang="vi-VN" dirty="0" smtClean="0"/>
+              <a:t>=&gt; </a:t>
+            </a:r>
+            <a:r>
+              <a:rPr lang="vi-VN" dirty="0"/>
+              <a:t>Kết luận: khi có cùng mức độ ưu tiên với giải thuật FCFS , thời gian sử dụng tài nguyên của các tiến trình có giá trị gần giống nhau. Tuy nhiên có sự đột biến về thời gian sử dụng tại P0 ( nguyên nhân xảy ra chưa xác định ). Ta thay đổi mức độ ưu tiên thì kết quả không thay đổi nhiều </a:t>
+            </a:r>
+          </a:p>
+          <a:p>
+            <a:endParaRPr lang="en-US" b="1" dirty="0"/>
+          </a:p>
+        </p:txBody>
+      </p:sp>
+      <p:pic>
+        <p:nvPicPr>
+          <p:cNvPr id="5" name="Picture 4"/>
+          <p:cNvPicPr>
+            <a:picLocks noChangeAspect="1"/>
+          </p:cNvPicPr>
+          <p:nvPr/>
+        </p:nvPicPr>
+        <p:blipFill>
+          <a:blip r:embed="rId2"/>
+          <a:stretch>
+            <a:fillRect/>
+          </a:stretch>
+        </p:blipFill>
+        <p:spPr>
+          <a:xfrm>
+            <a:off x="1449092" y="1981622"/>
+            <a:ext cx="5061687" cy="3055328"/>
+          </a:xfrm>
+          <a:prstGeom prst="rect">
+            <a:avLst/>
+          </a:prstGeom>
+        </p:spPr>
+      </p:pic>
+      <p:pic>
+        <p:nvPicPr>
+          <p:cNvPr id="6" name="Picture 5"/>
+          <p:cNvPicPr>
+            <a:picLocks noChangeAspect="1"/>
+          </p:cNvPicPr>
+          <p:nvPr/>
+        </p:nvPicPr>
+        <p:blipFill>
+          <a:blip r:embed="rId3"/>
+          <a:stretch>
+            <a:fillRect/>
+          </a:stretch>
+        </p:blipFill>
+        <p:spPr>
+          <a:xfrm>
+            <a:off x="7007643" y="2131017"/>
+            <a:ext cx="3254340" cy="2588217"/>
+          </a:xfrm>
+          <a:prstGeom prst="rect">
+            <a:avLst/>
+          </a:prstGeom>
+        </p:spPr>
+      </p:pic>
+    </p:spTree>
+    <p:extLst>
+      <p:ext uri="{BB962C8B-B14F-4D97-AF65-F5344CB8AC3E}">
+        <p14:creationId xmlns:p14="http://schemas.microsoft.com/office/powerpoint/2010/main" val="1333511389"/>
+      </p:ext>
+    </p:extLst>
+  </p:cSld>
+  <p:clrMapOvr>
+    <a:masterClrMapping/>
+  </p:clrMapOvr>
+  <p:timing>
+    <p:tnLst>
+      <p:par>
+        <p:cTn id="1" dur="indefinite" restart="never" nodeType="tmRoot"/>
+      </p:par>
+    </p:tnLst>
+  </p:timing>
+</p:sld>
+</file>
+
+<file path=ppt/slides/slide32.xml><?xml version="1.0" encoding="utf-8"?>
+<p:sld xmlns:a="http://schemas.openxmlformats.org/drawingml/2006/main" xmlns:r="http://schemas.openxmlformats.org/officeDocument/2006/relationships" xmlns:p="http://schemas.openxmlformats.org/presentationml/2006/main">
+  <p:cSld>
+    <p:spTree>
+      <p:nvGrpSpPr>
+        <p:cNvPr id="1" name=""/>
+        <p:cNvGrpSpPr/>
+        <p:nvPr/>
+      </p:nvGrpSpPr>
+      <p:grpSpPr>
+        <a:xfrm>
+          <a:off x="0" y="0"/>
+          <a:ext cx="0" cy="0"/>
+          <a:chOff x="0" y="0"/>
+          <a:chExt cx="0" cy="0"/>
+        </a:xfrm>
+      </p:grpSpPr>
+      <p:sp>
+        <p:nvSpPr>
+          <p:cNvPr id="2" name="Title 1"/>
+          <p:cNvSpPr>
+            <a:spLocks noGrp="1"/>
+          </p:cNvSpPr>
+          <p:nvPr>
+            <p:ph type="title"/>
+          </p:nvPr>
+        </p:nvSpPr>
+        <p:spPr/>
+        <p:txBody>
+          <a:bodyPr/>
+          <a:lstStyle/>
+          <a:p>
+            <a:r>
+              <a:rPr lang="vi-VN" dirty="0"/>
+              <a:t>Round robin</a:t>
+            </a:r>
+            <a:br>
+              <a:rPr lang="vi-VN" dirty="0"/>
+            </a:br>
+            <a:endParaRPr lang="en-US" dirty="0"/>
+          </a:p>
+        </p:txBody>
+      </p:sp>
+      <p:sp>
+        <p:nvSpPr>
+          <p:cNvPr id="3" name="Content Placeholder 2"/>
+          <p:cNvSpPr>
+            <a:spLocks noGrp="1"/>
+          </p:cNvSpPr>
+          <p:nvPr>
+            <p:ph idx="1"/>
+          </p:nvPr>
+        </p:nvSpPr>
+        <p:spPr>
+          <a:xfrm>
+            <a:off x="1410346" y="1511085"/>
+            <a:ext cx="10094266" cy="4400137"/>
+          </a:xfrm>
+        </p:spPr>
+        <p:txBody>
+          <a:bodyPr/>
+          <a:lstStyle/>
+          <a:p>
+            <a:r>
+              <a:rPr lang="vi-VN" dirty="0"/>
+              <a:t>Giả sử mức độ ưu tiên </a:t>
+            </a:r>
+            <a:r>
+              <a:rPr lang="vi-VN" dirty="0" smtClean="0"/>
+              <a:t>: P0=20, P1=15, P2=10, P3=0</a:t>
+            </a:r>
+          </a:p>
+          <a:p>
+            <a:pPr marL="0" indent="0">
+              <a:buNone/>
+            </a:pPr>
+            <a:endParaRPr lang="en-US" dirty="0"/>
+          </a:p>
+        </p:txBody>
+      </p:sp>
+      <p:pic>
+        <p:nvPicPr>
+          <p:cNvPr id="5" name="Picture 4"/>
+          <p:cNvPicPr>
+            <a:picLocks noChangeAspect="1"/>
+          </p:cNvPicPr>
+          <p:nvPr/>
+        </p:nvPicPr>
+        <p:blipFill>
+          <a:blip r:embed="rId2"/>
+          <a:stretch>
+            <a:fillRect/>
+          </a:stretch>
+        </p:blipFill>
+        <p:spPr>
+          <a:xfrm>
+            <a:off x="1735810" y="2136883"/>
+            <a:ext cx="3781587" cy="3721475"/>
+          </a:xfrm>
+          <a:prstGeom prst="rect">
+            <a:avLst/>
+          </a:prstGeom>
+        </p:spPr>
+      </p:pic>
+      <p:pic>
+        <p:nvPicPr>
+          <p:cNvPr id="7" name="Picture 6"/>
+          <p:cNvPicPr>
+            <a:picLocks noChangeAspect="1"/>
+          </p:cNvPicPr>
+          <p:nvPr/>
+        </p:nvPicPr>
+        <p:blipFill>
+          <a:blip r:embed="rId3"/>
+          <a:stretch>
+            <a:fillRect/>
+          </a:stretch>
+        </p:blipFill>
+        <p:spPr>
+          <a:xfrm>
+            <a:off x="6080421" y="2022286"/>
+            <a:ext cx="3533775" cy="3743325"/>
+          </a:xfrm>
+          <a:prstGeom prst="rect">
+            <a:avLst/>
+          </a:prstGeom>
+        </p:spPr>
+      </p:pic>
+    </p:spTree>
+    <p:extLst>
+      <p:ext uri="{BB962C8B-B14F-4D97-AF65-F5344CB8AC3E}">
+        <p14:creationId xmlns:p14="http://schemas.microsoft.com/office/powerpoint/2010/main" val="2485457576"/>
+      </p:ext>
+    </p:extLst>
+  </p:cSld>
+  <p:clrMapOvr>
+    <a:masterClrMapping/>
+  </p:clrMapOvr>
+  <p:timing>
+    <p:tnLst>
+      <p:par>
+        <p:cTn id="1" dur="indefinite" restart="never" nodeType="tmRoot"/>
+      </p:par>
+    </p:tnLst>
+  </p:timing>
+</p:sld>
+</file>
+
+<file path=ppt/slides/slide33.xml><?xml version="1.0" encoding="utf-8"?>
+<p:sld xmlns:a="http://schemas.openxmlformats.org/drawingml/2006/main" xmlns:r="http://schemas.openxmlformats.org/officeDocument/2006/relationships" xmlns:p="http://schemas.openxmlformats.org/presentationml/2006/main">
+  <p:cSld>
+    <p:spTree>
+      <p:nvGrpSpPr>
+        <p:cNvPr id="1" name=""/>
+        <p:cNvGrpSpPr/>
+        <p:nvPr/>
+      </p:nvGrpSpPr>
+      <p:grpSpPr>
+        <a:xfrm>
+          <a:off x="0" y="0"/>
+          <a:ext cx="0" cy="0"/>
+          <a:chOff x="0" y="0"/>
+          <a:chExt cx="0" cy="0"/>
+        </a:xfrm>
+      </p:grpSpPr>
+      <p:sp>
+        <p:nvSpPr>
+          <p:cNvPr id="2" name="Title 1"/>
+          <p:cNvSpPr>
+            <a:spLocks noGrp="1"/>
+          </p:cNvSpPr>
+          <p:nvPr>
+            <p:ph type="title"/>
+          </p:nvPr>
+        </p:nvSpPr>
+        <p:spPr/>
+        <p:txBody>
+          <a:bodyPr/>
+          <a:lstStyle/>
+          <a:p>
+            <a:r>
+              <a:rPr lang="vi-VN" dirty="0"/>
+              <a:t>Round robin</a:t>
+            </a:r>
+            <a:endParaRPr lang="en-US" dirty="0"/>
+          </a:p>
+        </p:txBody>
+      </p:sp>
+      <p:sp>
+        <p:nvSpPr>
+          <p:cNvPr id="3" name="Content Placeholder 2"/>
+          <p:cNvSpPr>
+            <a:spLocks noGrp="1"/>
+          </p:cNvSpPr>
+          <p:nvPr>
+            <p:ph idx="1"/>
+          </p:nvPr>
+        </p:nvSpPr>
+        <p:spPr>
+          <a:xfrm>
+            <a:off x="1766807" y="1611824"/>
+            <a:ext cx="9737805" cy="5005952"/>
+          </a:xfrm>
+        </p:spPr>
+        <p:txBody>
+          <a:bodyPr/>
+          <a:lstStyle/>
+          <a:p>
+            <a:r>
+              <a:rPr lang="vi-VN" dirty="0" smtClean="0"/>
+              <a:t>Bảng thời gian chiếm </a:t>
+            </a:r>
+            <a:r>
+              <a:rPr lang="vi-VN" dirty="0"/>
+              <a:t>dụng CPU các </a:t>
+            </a:r>
+            <a:r>
+              <a:rPr lang="vi-VN" dirty="0" smtClean="0"/>
+              <a:t>luồng:</a:t>
+            </a:r>
+          </a:p>
+          <a:p>
+            <a:endParaRPr lang="vi-VN" dirty="0"/>
+          </a:p>
+          <a:p>
+            <a:endParaRPr lang="vi-VN" dirty="0" smtClean="0"/>
+          </a:p>
+          <a:p>
+            <a:endParaRPr lang="vi-VN" dirty="0"/>
+          </a:p>
+          <a:p>
+            <a:endParaRPr lang="vi-VN" dirty="0" smtClean="0"/>
+          </a:p>
+          <a:p>
+            <a:endParaRPr lang="vi-VN" dirty="0"/>
+          </a:p>
+          <a:p>
+            <a:endParaRPr lang="vi-VN" dirty="0" smtClean="0"/>
+          </a:p>
+          <a:p>
+            <a:endParaRPr lang="vi-VN" dirty="0"/>
+          </a:p>
+          <a:p>
+            <a:endParaRPr lang="vi-VN" dirty="0" smtClean="0"/>
+          </a:p>
+          <a:p>
+            <a:endParaRPr lang="vi-VN" dirty="0"/>
+          </a:p>
+          <a:p>
+            <a:pPr marL="0" indent="0">
+              <a:buNone/>
+            </a:pPr>
+            <a:r>
+              <a:rPr lang="vi-VN" dirty="0" smtClean="0"/>
+              <a:t>=&gt; Kết luận : Giải thuật RR với độ ưu tiên khác nhau, tuy nhiên các tiến trình với độ dài thời gian sử dụng cpu giống nhau được thực hiện luân phiên với các khoảng thời gian xấp xỉ nhau.</a:t>
+            </a:r>
+            <a:endParaRPr lang="en-US" dirty="0"/>
+          </a:p>
+        </p:txBody>
+      </p:sp>
+      <p:pic>
+        <p:nvPicPr>
+          <p:cNvPr id="4" name="Picture 3"/>
+          <p:cNvPicPr>
+            <a:picLocks noChangeAspect="1"/>
+          </p:cNvPicPr>
+          <p:nvPr/>
+        </p:nvPicPr>
+        <p:blipFill>
+          <a:blip r:embed="rId2"/>
+          <a:stretch>
+            <a:fillRect/>
+          </a:stretch>
+        </p:blipFill>
+        <p:spPr>
+          <a:xfrm>
+            <a:off x="2948632" y="2111483"/>
+            <a:ext cx="5457825" cy="3409950"/>
+          </a:xfrm>
+          <a:prstGeom prst="rect">
+            <a:avLst/>
+          </a:prstGeom>
+        </p:spPr>
+      </p:pic>
+    </p:spTree>
+    <p:extLst>
+      <p:ext uri="{BB962C8B-B14F-4D97-AF65-F5344CB8AC3E}">
+        <p14:creationId xmlns:p14="http://schemas.microsoft.com/office/powerpoint/2010/main" val="437621915"/>
+      </p:ext>
+    </p:extLst>
+  </p:cSld>
+  <p:clrMapOvr>
+    <a:masterClrMapping/>
+  </p:clrMapOvr>
+</p:sld>
+</file>
+
+<file path=ppt/slides/slide34.xml><?xml version="1.0" encoding="utf-8"?>
+<p:sld xmlns:a="http://schemas.openxmlformats.org/drawingml/2006/main" xmlns:r="http://schemas.openxmlformats.org/officeDocument/2006/relationships" xmlns:p="http://schemas.openxmlformats.org/presentationml/2006/main">
+  <p:cSld>
+    <p:spTree>
+      <p:nvGrpSpPr>
+        <p:cNvPr id="1" name=""/>
+        <p:cNvGrpSpPr/>
+        <p:nvPr/>
+      </p:nvGrpSpPr>
+      <p:grpSpPr>
+        <a:xfrm>
+          <a:off x="0" y="0"/>
+          <a:ext cx="0" cy="0"/>
+          <a:chOff x="0" y="0"/>
+          <a:chExt cx="0" cy="0"/>
+        </a:xfrm>
+      </p:grpSpPr>
+      <p:sp>
+        <p:nvSpPr>
+          <p:cNvPr id="2" name="Title 1"/>
+          <p:cNvSpPr>
+            <a:spLocks noGrp="1"/>
+          </p:cNvSpPr>
+          <p:nvPr>
+            <p:ph type="title"/>
+          </p:nvPr>
+        </p:nvSpPr>
+        <p:spPr/>
+        <p:txBody>
+          <a:bodyPr/>
+          <a:lstStyle/>
+          <a:p>
+            <a:r>
+              <a:rPr lang="vi-VN" dirty="0" smtClean="0"/>
+              <a:t>Tổng kết và đánh giá</a:t>
+            </a:r>
+            <a:endParaRPr lang="en-US" dirty="0"/>
+          </a:p>
+        </p:txBody>
+      </p:sp>
+      <p:sp>
+        <p:nvSpPr>
+          <p:cNvPr id="3" name="Content Placeholder 2"/>
+          <p:cNvSpPr>
+            <a:spLocks noGrp="1"/>
+          </p:cNvSpPr>
+          <p:nvPr>
+            <p:ph idx="1"/>
+          </p:nvPr>
+        </p:nvSpPr>
+        <p:spPr>
+          <a:xfrm>
+            <a:off x="1698060" y="1428427"/>
+            <a:ext cx="8915400" cy="3777622"/>
+          </a:xfrm>
+        </p:spPr>
+        <p:txBody>
+          <a:bodyPr/>
+          <a:lstStyle/>
+          <a:p>
+            <a:r>
+              <a:rPr lang="vi-VN" dirty="0" smtClean="0"/>
+              <a:t>Kết quả và số liệu đo được thực hiện bằng tay và mô phỏng nên có sai số lớn. Kết quả chỉ có tác dụng đánh giá lý thuyết và khảo nghiệm.</a:t>
+            </a:r>
+          </a:p>
+          <a:p>
+            <a:r>
+              <a:rPr lang="vi-VN" dirty="0" smtClean="0"/>
+              <a:t>Còn một số giải thuật khác mới được phát triển </a:t>
+            </a:r>
+            <a:r>
+              <a:rPr lang="vi-VN" dirty="0"/>
+              <a:t>Các phần </a:t>
+            </a:r>
+            <a:r>
+              <a:rPr lang="vi-VN" dirty="0" smtClean="0"/>
+              <a:t>chỉ giải </a:t>
+            </a:r>
+            <a:r>
+              <a:rPr lang="vi-VN" dirty="0"/>
+              <a:t>thích một số chiến lược lập lịch phổ biến, chỉ xem xét mỗi một CPU đơn lẻ cho một số lượng nhỏ quy trình. Rõ ràng là các hệ thống thực phải xử lý nhiều quá trình đồng thời hơn thực hiện các chu kỳ bùng nổ CPU-I / O của chúng</a:t>
+            </a:r>
+            <a:r>
+              <a:rPr lang="vi-VN" dirty="0" smtClean="0"/>
+              <a:t>.</a:t>
+            </a:r>
+          </a:p>
+          <a:p>
+            <a:r>
+              <a:rPr lang="vi-VN" dirty="0" smtClean="0"/>
+              <a:t> các số liệu đo được trong trường hợp đơn luồng CPU </a:t>
+            </a:r>
+            <a:endParaRPr lang="en-US" dirty="0"/>
+          </a:p>
+        </p:txBody>
+      </p:sp>
+      <p:pic>
+        <p:nvPicPr>
+          <p:cNvPr id="4" name="Picture 3"/>
+          <p:cNvPicPr>
+            <a:picLocks noChangeAspect="1"/>
+          </p:cNvPicPr>
+          <p:nvPr/>
+        </p:nvPicPr>
+        <p:blipFill>
+          <a:blip r:embed="rId2"/>
+          <a:stretch>
+            <a:fillRect/>
+          </a:stretch>
+        </p:blipFill>
+        <p:spPr>
+          <a:xfrm>
+            <a:off x="3830834" y="3760275"/>
+            <a:ext cx="4649917" cy="2663771"/>
+          </a:xfrm>
+          <a:prstGeom prst="rect">
+            <a:avLst/>
+          </a:prstGeom>
+        </p:spPr>
+      </p:pic>
+    </p:spTree>
+    <p:extLst>
+      <p:ext uri="{BB962C8B-B14F-4D97-AF65-F5344CB8AC3E}">
+        <p14:creationId xmlns:p14="http://schemas.microsoft.com/office/powerpoint/2010/main" val="4133418402"/>
+      </p:ext>
+    </p:extLst>
+  </p:cSld>
+  <p:clrMapOvr>
+    <a:masterClrMapping/>
+  </p:clrMapOvr>
+</p:sld>
+</file>
+
+<file path=ppt/slides/slide35.xml><?xml version="1.0" encoding="utf-8"?>
+<p:sld xmlns:a="http://schemas.openxmlformats.org/drawingml/2006/main" xmlns:r="http://schemas.openxmlformats.org/officeDocument/2006/relationships" xmlns:p="http://schemas.openxmlformats.org/presentationml/2006/main">
+  <p:cSld>
+    <p:spTree>
+      <p:nvGrpSpPr>
+        <p:cNvPr id="1" name=""/>
+        <p:cNvGrpSpPr/>
+        <p:nvPr/>
+      </p:nvGrpSpPr>
+      <p:grpSpPr>
+        <a:xfrm>
+          <a:off x="0" y="0"/>
+          <a:ext cx="0" cy="0"/>
+          <a:chOff x="0" y="0"/>
+          <a:chExt cx="0" cy="0"/>
+        </a:xfrm>
+      </p:grpSpPr>
+      <p:sp>
+        <p:nvSpPr>
+          <p:cNvPr id="2" name="Title 1"/>
+          <p:cNvSpPr>
+            <a:spLocks noGrp="1"/>
+          </p:cNvSpPr>
+          <p:nvPr>
+            <p:ph type="title"/>
+          </p:nvPr>
+        </p:nvSpPr>
+        <p:spPr/>
+        <p:txBody>
+          <a:bodyPr/>
+          <a:lstStyle/>
+          <a:p>
+            <a:r>
+              <a:rPr lang="vi-VN" dirty="0" smtClean="0"/>
+              <a:t>Link Github</a:t>
+            </a:r>
             <a:endParaRPr lang="en-US" dirty="0"/>
           </a:p>
         </p:txBody>
@@ -16079,14 +17055,185 @@
           <a:bodyPr/>
           <a:lstStyle/>
           <a:p>
-            <a:endParaRPr lang="en-US"/>
+            <a:r>
+              <a:rPr lang="en-US" dirty="0">
+                <a:hlinkClick r:id="rId2"/>
+              </a:rPr>
+              <a:t>https://</a:t>
+            </a:r>
+            <a:r>
+              <a:rPr lang="en-US" dirty="0" smtClean="0">
+                <a:hlinkClick r:id="rId2"/>
+              </a:rPr>
+              <a:t>github.com/darkmagician148/operating_system</a:t>
+            </a:r>
+            <a:endParaRPr lang="vi-VN" dirty="0" smtClean="0"/>
+          </a:p>
+          <a:p>
+            <a:endParaRPr lang="en-US" dirty="0"/>
+          </a:p>
+        </p:txBody>
+      </p:sp>
+      <p:pic>
+        <p:nvPicPr>
+          <p:cNvPr id="4" name="Picture 3"/>
+          <p:cNvPicPr>
+            <a:picLocks noChangeAspect="1"/>
+          </p:cNvPicPr>
+          <p:nvPr/>
+        </p:nvPicPr>
+        <p:blipFill>
+          <a:blip r:embed="rId3"/>
+          <a:stretch>
+            <a:fillRect/>
+          </a:stretch>
+        </p:blipFill>
+        <p:spPr>
+          <a:xfrm>
+            <a:off x="2711803" y="2594764"/>
+            <a:ext cx="8945946" cy="3958550"/>
+          </a:xfrm>
+          <a:prstGeom prst="rect">
+            <a:avLst/>
+          </a:prstGeom>
+        </p:spPr>
+      </p:pic>
+    </p:spTree>
+    <p:extLst>
+      <p:ext uri="{BB962C8B-B14F-4D97-AF65-F5344CB8AC3E}">
+        <p14:creationId xmlns:p14="http://schemas.microsoft.com/office/powerpoint/2010/main" val="327602986"/>
+      </p:ext>
+    </p:extLst>
+  </p:cSld>
+  <p:clrMapOvr>
+    <a:masterClrMapping/>
+  </p:clrMapOvr>
+</p:sld>
+</file>
+
+<file path=ppt/slides/slide36.xml><?xml version="1.0" encoding="utf-8"?>
+<p:sld xmlns:a="http://schemas.openxmlformats.org/drawingml/2006/main" xmlns:r="http://schemas.openxmlformats.org/officeDocument/2006/relationships" xmlns:p="http://schemas.openxmlformats.org/presentationml/2006/main">
+  <p:cSld>
+    <p:spTree>
+      <p:nvGrpSpPr>
+        <p:cNvPr id="1" name=""/>
+        <p:cNvGrpSpPr/>
+        <p:nvPr/>
+      </p:nvGrpSpPr>
+      <p:grpSpPr>
+        <a:xfrm>
+          <a:off x="0" y="0"/>
+          <a:ext cx="0" cy="0"/>
+          <a:chOff x="0" y="0"/>
+          <a:chExt cx="0" cy="0"/>
+        </a:xfrm>
+      </p:grpSpPr>
+      <p:sp>
+        <p:nvSpPr>
+          <p:cNvPr id="2" name="Title 1"/>
+          <p:cNvSpPr>
+            <a:spLocks noGrp="1"/>
+          </p:cNvSpPr>
+          <p:nvPr>
+            <p:ph type="title"/>
+          </p:nvPr>
+        </p:nvSpPr>
+        <p:spPr/>
+        <p:txBody>
+          <a:bodyPr/>
+          <a:lstStyle/>
+          <a:p>
+            <a:r>
+              <a:rPr lang="vi-VN" dirty="0" smtClean="0"/>
+              <a:t>Tài Liệu Tham Khảo </a:t>
+            </a:r>
+            <a:endParaRPr lang="en-US" dirty="0"/>
+          </a:p>
+        </p:txBody>
+      </p:sp>
+      <p:sp>
+        <p:nvSpPr>
+          <p:cNvPr id="3" name="Content Placeholder 2"/>
+          <p:cNvSpPr>
+            <a:spLocks noGrp="1"/>
+          </p:cNvSpPr>
+          <p:nvPr>
+            <p:ph idx="1"/>
+          </p:nvPr>
+        </p:nvSpPr>
+        <p:spPr/>
+        <p:txBody>
+          <a:bodyPr/>
+          <a:lstStyle/>
+          <a:p>
+            <a:r>
+              <a:rPr lang="en-US" dirty="0">
+                <a:hlinkClick r:id="rId2"/>
+              </a:rPr>
+              <a:t>https://www.cs.uic.edu/~</a:t>
+            </a:r>
+            <a:r>
+              <a:rPr lang="en-US" dirty="0" smtClean="0">
+                <a:hlinkClick r:id="rId2"/>
+              </a:rPr>
+              <a:t>jbell/CourseNotes/OperatingSystems/5_CPU_Scheduling.html</a:t>
+            </a:r>
+            <a:endParaRPr lang="vi-VN" dirty="0" smtClean="0"/>
+          </a:p>
+          <a:p>
+            <a:r>
+              <a:rPr lang="en-US" dirty="0">
+                <a:hlinkClick r:id="rId3"/>
+              </a:rPr>
+              <a:t>http://www.cse.hcmut.edu.vn/~</a:t>
+            </a:r>
+            <a:r>
+              <a:rPr lang="en-US" dirty="0" smtClean="0">
+                <a:hlinkClick r:id="rId3"/>
+              </a:rPr>
+              <a:t>hungnq/courses/lopchuyendoi/ch05-CPU-Scheduling.pdf</a:t>
+            </a:r>
+            <a:endParaRPr lang="vi-VN" dirty="0" smtClean="0"/>
+          </a:p>
+          <a:p>
+            <a:r>
+              <a:rPr lang="en-US" dirty="0">
+                <a:hlinkClick r:id="rId4"/>
+              </a:rPr>
+              <a:t>https://</a:t>
+            </a:r>
+            <a:r>
+              <a:rPr lang="en-US" dirty="0" smtClean="0">
+                <a:hlinkClick r:id="rId4"/>
+              </a:rPr>
+              <a:t>man7.org/linux/man-pages/man2/sched_getscheduler.2.html</a:t>
+            </a:r>
+            <a:endParaRPr lang="vi-VN" dirty="0" smtClean="0"/>
+          </a:p>
+          <a:p>
+            <a:r>
+              <a:rPr lang="en-US" dirty="0">
+                <a:hlinkClick r:id="rId5"/>
+              </a:rPr>
+              <a:t>https://</a:t>
+            </a:r>
+            <a:r>
+              <a:rPr lang="en-US" dirty="0" smtClean="0">
+                <a:hlinkClick r:id="rId5"/>
+              </a:rPr>
+              <a:t>access.redhat.com/documentation/en-us/red_hat_enterprise_linux/8/html/monitoring_and_managing_system_status_and_performance/tuning-scheduling-policy_monitoring-and-managing-system-status-and-performance</a:t>
+            </a:r>
+            <a:endParaRPr lang="vi-VN" dirty="0" smtClean="0"/>
+          </a:p>
+          <a:p>
+            <a:endParaRPr lang="en-US" dirty="0"/>
           </a:p>
         </p:txBody>
       </p:sp>
     </p:spTree>
     <p:extLst>
       <p:ext uri="{BB962C8B-B14F-4D97-AF65-F5344CB8AC3E}">
-        <p14:creationId xmlns:p14="http://schemas.microsoft.com/office/powerpoint/2010/main" val="4051547436"/>
+        <p14:creationId xmlns:p14="http://schemas.microsoft.com/office/powerpoint/2010/main" val="2327664586"/>
       </p:ext>
     </p:extLst>
   </p:cSld>
@@ -17229,6 +18376,13 @@
   <p:clrMapOvr>
     <a:masterClrMapping/>
   </p:clrMapOvr>
+  <p:timing>
+    <p:tnLst>
+      <p:par>
+        <p:cTn id="1" dur="indefinite" restart="never" nodeType="tmRoot"/>
+      </p:par>
+    </p:tnLst>
+  </p:timing>
 </p:sld>
 </file>
 
@@ -17362,6 +18516,13 @@
   <p:clrMapOvr>
     <a:masterClrMapping/>
   </p:clrMapOvr>
+  <p:timing>
+    <p:tnLst>
+      <p:par>
+        <p:cTn id="1" dur="indefinite" restart="never" nodeType="tmRoot"/>
+      </p:par>
+    </p:tnLst>
+  </p:timing>
 </p:sld>
 </file>
 
@@ -17442,7 +18603,7 @@
               <a:rPr lang="vi-VN" sz="1800" dirty="0" smtClean="0">
                 <a:latin typeface="Bahnschrift" panose="020B0502040204020203" pitchFamily="34" charset="0"/>
               </a:rPr>
-              <a:t>Bất cứ khi nào CPU trở nên nhàn rỗi, công việc của Bộ lập lịch CUP ( hay còn gọi là bộ lập lịch ngắn hạn) là chọn một quá trình khác từ hạng đợi sẵn sàng để chạy tiếp theo. </a:t>
+              <a:t>Bất cứ khi nào CPU trở nên nhàn rỗi, công việc của Bộ lập lịch Cup ( hay còn gọi là bộ lập lịch ngắn hạn) là chọn một quá trình khác từ hạng đợi sẵn sàng để chạy tiếp theo. </a:t>
             </a:r>
           </a:p>
           <a:p>
@@ -17472,6 +18633,13 @@
   <p:clrMapOvr>
     <a:masterClrMapping/>
   </p:clrMapOvr>
+  <p:timing>
+    <p:tnLst>
+      <p:par>
+        <p:cTn id="1" dur="indefinite" restart="never" nodeType="tmRoot"/>
+      </p:par>
+    </p:tnLst>
+  </p:timing>
 </p:sld>
 </file>
 
@@ -17644,6 +18812,13 @@
   <p:clrMapOvr>
     <a:masterClrMapping/>
   </p:clrMapOvr>
+  <p:timing>
+    <p:tnLst>
+      <p:par>
+        <p:cTn id="1" dur="indefinite" restart="never" nodeType="tmRoot"/>
+      </p:par>
+    </p:tnLst>
+  </p:timing>
 </p:sld>
 </file>
 
@@ -17764,6 +18939,13 @@
   <p:clrMapOvr>
     <a:masterClrMapping/>
   </p:clrMapOvr>
+  <p:timing>
+    <p:tnLst>
+      <p:par>
+        <p:cTn id="1" dur="indefinite" restart="never" nodeType="tmRoot"/>
+      </p:par>
+    </p:tnLst>
+  </p:timing>
 </p:sld>
 </file>
 
@@ -17891,7 +19073,7 @@
               <a:rPr lang="vi-VN" dirty="0" smtClean="0">
                 <a:latin typeface="Bahnschrift" panose="020B0502040204020203" pitchFamily="34" charset="0"/>
               </a:rPr>
-              <a:t>Thời gian chờ đợi – Các tiến trình dành bao nhiêu thời gian trong hàng đợi sẵn sàng để chờ đến lượt chugns chạy trên CPU.</a:t>
+              <a:t>Thời gian chờ đợi – Các tiến trình dành bao nhiêu thời gian trong hàng đợi sẵn sàng để chờ đến lượt chúng chạy trên CPU.</a:t>
             </a:r>
           </a:p>
           <a:p>
@@ -17915,13 +19097,7 @@
               <a:rPr lang="vi-VN" dirty="0" smtClean="0">
                 <a:latin typeface="Bahnschrift" panose="020B0502040204020203" pitchFamily="34" charset="0"/>
               </a:rPr>
-              <a:t>phản hồi </a:t>
-            </a:r>
-            <a:r>
-              <a:rPr lang="vi-VN" dirty="0" smtClean="0">
-                <a:latin typeface="Bahnschrift" panose="020B0502040204020203" pitchFamily="34" charset="0"/>
-              </a:rPr>
-              <a:t>lệnh</a:t>
+              <a:t>phản hồi lệnh</a:t>
             </a:r>
           </a:p>
           <a:p>
@@ -17958,6 +19134,13 @@
   <p:clrMapOvr>
     <a:masterClrMapping/>
   </p:clrMapOvr>
+  <p:timing>
+    <p:tnLst>
+      <p:par>
+        <p:cTn id="1" dur="indefinite" restart="never" nodeType="tmRoot"/>
+      </p:par>
+    </p:tnLst>
+  </p:timing>
 </p:sld>
 </file>
 
@@ -18396,18 +19579,18 @@
 </file>
 
 <file path=customXml/item2.xml><?xml version="1.0" encoding="utf-8"?>
-<p:properties xmlns:p="http://schemas.microsoft.com/office/2006/metadata/properties" xmlns:xsi="http://www.w3.org/2001/XMLSchema-instance" xmlns:pc="http://schemas.microsoft.com/office/infopath/2007/PartnerControls">
-  <documentManagement/>
-</p:properties>
-</file>
-
-<file path=customXml/item3.xml><?xml version="1.0" encoding="utf-8"?>
 <?mso-contentType ?>
 <FormTemplates xmlns="http://schemas.microsoft.com/sharepoint/v3/contenttype/forms">
   <Display>DocumentLibraryForm</Display>
   <Edit>DocumentLibraryForm</Edit>
   <New>DocumentLibraryForm</New>
 </FormTemplates>
+</file>
+
+<file path=customXml/item3.xml><?xml version="1.0" encoding="utf-8"?>
+<p:properties xmlns:p="http://schemas.microsoft.com/office/2006/metadata/properties" xmlns:xsi="http://www.w3.org/2001/XMLSchema-instance" xmlns:pc="http://schemas.microsoft.com/office/infopath/2007/PartnerControls">
+  <documentManagement/>
+</p:properties>
 </file>
 
 <file path=customXml/itemProps1.xml><?xml version="1.0" encoding="utf-8"?>
@@ -18430,6 +19613,14 @@
 </file>
 
 <file path=customXml/itemProps2.xml><?xml version="1.0" encoding="utf-8"?>
+<ds:datastoreItem xmlns:ds="http://schemas.openxmlformats.org/officeDocument/2006/customXml" ds:itemID="{E694679E-F89C-4330-BF3D-51DD7CE16F82}">
+  <ds:schemaRefs>
+    <ds:schemaRef ds:uri="http://schemas.microsoft.com/sharepoint/v3/contenttype/forms"/>
+  </ds:schemaRefs>
+</ds:datastoreItem>
+</file>
+
+<file path=customXml/itemProps3.xml><?xml version="1.0" encoding="utf-8"?>
 <ds:datastoreItem xmlns:ds="http://schemas.openxmlformats.org/officeDocument/2006/customXml" ds:itemID="{7E677E0B-516A-4D7E-A2BA-8A53B8F8852F}">
   <ds:schemaRefs>
     <ds:schemaRef ds:uri="http://purl.org/dc/terms/"/>
@@ -18444,12 +19635,4 @@
     <ds:schemaRef ds:uri="http://www.w3.org/XML/1998/namespace"/>
   </ds:schemaRefs>
 </ds:datastoreItem>
-</file>
-
-<file path=customXml/itemProps3.xml><?xml version="1.0" encoding="utf-8"?>
-<ds:datastoreItem xmlns:ds="http://schemas.openxmlformats.org/officeDocument/2006/customXml" ds:itemID="{E694679E-F89C-4330-BF3D-51DD7CE16F82}">
-  <ds:schemaRefs>
-    <ds:schemaRef ds:uri="http://schemas.microsoft.com/sharepoint/v3/contenttype/forms"/>
-  </ds:schemaRefs>
-</ds:datastoreItem>
 </file>